--- a/Maquettes/Elec_Num_Emb/VisionIndustrielle_TP/brochages.pptx
+++ b/Maquettes/Elec_Num_Emb/VisionIndustrielle_TP/brochages.pptx
@@ -5,12 +5,13 @@
     <p:sldMasterId id="2147483648" r:id="rId1"/>
   </p:sldMasterIdLst>
   <p:notesMasterIdLst>
-    <p:notesMasterId r:id="rId5"/>
+    <p:notesMasterId r:id="rId6"/>
   </p:notesMasterIdLst>
   <p:sldIdLst>
     <p:sldId id="260" r:id="rId2"/>
     <p:sldId id="261" r:id="rId3"/>
-    <p:sldId id="259" r:id="rId4"/>
+    <p:sldId id="262" r:id="rId4"/>
+    <p:sldId id="259" r:id="rId5"/>
   </p:sldIdLst>
   <p:sldSz cx="12192000" cy="6858000"/>
   <p:notesSz cx="6858000" cy="9144000"/>
@@ -199,7 +200,7 @@
           <a:p>
             <a:fld id="{DAC67291-13FB-4A85-9B62-8BED92F848C0}" type="datetimeFigureOut">
               <a:rPr lang="fr-FR" smtClean="0"/>
-              <a:t>09/03/2023</a:t>
+              <a:t>27/10/2023</a:t>
             </a:fld>
             <a:endParaRPr lang="fr-FR"/>
           </a:p>
@@ -697,7 +698,7 @@
           <a:p>
             <a:fld id="{9F9D7BD0-09ED-4241-9B50-84DC221E5746}" type="datetimeFigureOut">
               <a:rPr lang="fr-FR" smtClean="0"/>
-              <a:t>09/03/2023</a:t>
+              <a:t>27/10/2023</a:t>
             </a:fld>
             <a:endParaRPr lang="fr-FR"/>
           </a:p>
@@ -895,7 +896,7 @@
           <a:p>
             <a:fld id="{9F9D7BD0-09ED-4241-9B50-84DC221E5746}" type="datetimeFigureOut">
               <a:rPr lang="fr-FR" smtClean="0"/>
-              <a:t>09/03/2023</a:t>
+              <a:t>27/10/2023</a:t>
             </a:fld>
             <a:endParaRPr lang="fr-FR"/>
           </a:p>
@@ -1103,7 +1104,7 @@
           <a:p>
             <a:fld id="{9F9D7BD0-09ED-4241-9B50-84DC221E5746}" type="datetimeFigureOut">
               <a:rPr lang="fr-FR" smtClean="0"/>
-              <a:t>09/03/2023</a:t>
+              <a:t>27/10/2023</a:t>
             </a:fld>
             <a:endParaRPr lang="fr-FR"/>
           </a:p>
@@ -1301,7 +1302,7 @@
           <a:p>
             <a:fld id="{9F9D7BD0-09ED-4241-9B50-84DC221E5746}" type="datetimeFigureOut">
               <a:rPr lang="fr-FR" smtClean="0"/>
-              <a:t>09/03/2023</a:t>
+              <a:t>27/10/2023</a:t>
             </a:fld>
             <a:endParaRPr lang="fr-FR"/>
           </a:p>
@@ -1576,7 +1577,7 @@
           <a:p>
             <a:fld id="{9F9D7BD0-09ED-4241-9B50-84DC221E5746}" type="datetimeFigureOut">
               <a:rPr lang="fr-FR" smtClean="0"/>
-              <a:t>09/03/2023</a:t>
+              <a:t>27/10/2023</a:t>
             </a:fld>
             <a:endParaRPr lang="fr-FR"/>
           </a:p>
@@ -1841,7 +1842,7 @@
           <a:p>
             <a:fld id="{9F9D7BD0-09ED-4241-9B50-84DC221E5746}" type="datetimeFigureOut">
               <a:rPr lang="fr-FR" smtClean="0"/>
-              <a:t>09/03/2023</a:t>
+              <a:t>27/10/2023</a:t>
             </a:fld>
             <a:endParaRPr lang="fr-FR"/>
           </a:p>
@@ -2253,7 +2254,7 @@
           <a:p>
             <a:fld id="{9F9D7BD0-09ED-4241-9B50-84DC221E5746}" type="datetimeFigureOut">
               <a:rPr lang="fr-FR" smtClean="0"/>
-              <a:t>09/03/2023</a:t>
+              <a:t>27/10/2023</a:t>
             </a:fld>
             <a:endParaRPr lang="fr-FR"/>
           </a:p>
@@ -2394,7 +2395,7 @@
           <a:p>
             <a:fld id="{9F9D7BD0-09ED-4241-9B50-84DC221E5746}" type="datetimeFigureOut">
               <a:rPr lang="fr-FR" smtClean="0"/>
-              <a:t>09/03/2023</a:t>
+              <a:t>27/10/2023</a:t>
             </a:fld>
             <a:endParaRPr lang="fr-FR"/>
           </a:p>
@@ -2507,7 +2508,7 @@
           <a:p>
             <a:fld id="{9F9D7BD0-09ED-4241-9B50-84DC221E5746}" type="datetimeFigureOut">
               <a:rPr lang="fr-FR" smtClean="0"/>
-              <a:t>09/03/2023</a:t>
+              <a:t>27/10/2023</a:t>
             </a:fld>
             <a:endParaRPr lang="fr-FR"/>
           </a:p>
@@ -2818,7 +2819,7 @@
           <a:p>
             <a:fld id="{9F9D7BD0-09ED-4241-9B50-84DC221E5746}" type="datetimeFigureOut">
               <a:rPr lang="fr-FR" smtClean="0"/>
-              <a:t>09/03/2023</a:t>
+              <a:t>27/10/2023</a:t>
             </a:fld>
             <a:endParaRPr lang="fr-FR"/>
           </a:p>
@@ -3106,7 +3107,7 @@
           <a:p>
             <a:fld id="{9F9D7BD0-09ED-4241-9B50-84DC221E5746}" type="datetimeFigureOut">
               <a:rPr lang="fr-FR" smtClean="0"/>
-              <a:t>09/03/2023</a:t>
+              <a:t>27/10/2023</a:t>
             </a:fld>
             <a:endParaRPr lang="fr-FR"/>
           </a:p>
@@ -3347,7 +3348,7 @@
           <a:p>
             <a:fld id="{9F9D7BD0-09ED-4241-9B50-84DC221E5746}" type="datetimeFigureOut">
               <a:rPr lang="fr-FR" smtClean="0"/>
-              <a:t>09/03/2023</a:t>
+              <a:t>27/10/2023</a:t>
             </a:fld>
             <a:endParaRPr lang="fr-FR"/>
           </a:p>
@@ -3779,7 +3780,7 @@
         <p:spPr>
           <a:xfrm>
             <a:off x="262934" y="173327"/>
-            <a:ext cx="4175951" cy="523220"/>
+            <a:ext cx="4053546" cy="523220"/>
           </a:xfrm>
           <a:prstGeom prst="rect">
             <a:avLst/>
@@ -3794,11 +3795,15 @@
           <a:p>
             <a:r>
               <a:rPr lang="fr-FR" sz="2800" b="1" dirty="0"/>
-              <a:t>Vision Industrielle / </a:t>
+              <a:t>Computer Vision / </a:t>
             </a:r>
             <a:r>
               <a:rPr lang="fr-FR" b="1" dirty="0"/>
-              <a:t>carte L476</a:t>
+              <a:t>L476 </a:t>
+            </a:r>
+            <a:r>
+              <a:rPr lang="fr-FR" b="1" dirty="0" err="1"/>
+              <a:t>board</a:t>
             </a:r>
             <a:endParaRPr lang="fr-FR" sz="2800" b="1" dirty="0"/>
           </a:p>
@@ -3819,7 +3824,7 @@
         <p:spPr>
           <a:xfrm>
             <a:off x="355107" y="2068802"/>
-            <a:ext cx="4340718" cy="1323439"/>
+            <a:ext cx="4340718" cy="1569660"/>
           </a:xfrm>
           <a:prstGeom prst="rect">
             <a:avLst/>
@@ -3836,13 +3841,37 @@
               <a:buFontTx/>
               <a:buChar char="-"/>
             </a:pPr>
+            <a:r>
+              <a:rPr lang="fr-FR" sz="1600" b="1" dirty="0" err="1">
+                <a:solidFill>
+                  <a:schemeClr val="accent2"/>
+                </a:solidFill>
+              </a:rPr>
+              <a:t>Step</a:t>
+            </a:r>
             <a:r>
               <a:rPr lang="fr-FR" sz="1600" b="1" dirty="0">
                 <a:solidFill>
                   <a:schemeClr val="accent2"/>
                 </a:solidFill>
               </a:rPr>
-              <a:t>Pilotage Pas à Pas (x2)</a:t>
+              <a:t> </a:t>
+            </a:r>
+            <a:r>
+              <a:rPr lang="fr-FR" sz="1600" b="1" dirty="0" err="1">
+                <a:solidFill>
+                  <a:schemeClr val="accent2"/>
+                </a:solidFill>
+              </a:rPr>
+              <a:t>Motor</a:t>
+            </a:r>
+            <a:r>
+              <a:rPr lang="fr-FR" sz="1600" b="1" dirty="0">
+                <a:solidFill>
+                  <a:schemeClr val="accent2"/>
+                </a:solidFill>
+              </a:rPr>
+              <a:t> Control (x2)</a:t>
             </a:r>
           </a:p>
           <a:p>
@@ -3850,13 +3879,37 @@
               <a:buFontTx/>
               <a:buChar char="-"/>
             </a:pPr>
+            <a:r>
+              <a:rPr lang="fr-FR" sz="1600" dirty="0" err="1">
+                <a:solidFill>
+                  <a:schemeClr val="accent2"/>
+                </a:solidFill>
+              </a:rPr>
+              <a:t>Step</a:t>
+            </a:r>
             <a:r>
               <a:rPr lang="fr-FR" sz="1600" dirty="0">
                 <a:solidFill>
                   <a:schemeClr val="accent2"/>
                 </a:solidFill>
               </a:rPr>
-              <a:t>Driver Pas à Pas– TMC2100</a:t>
+              <a:t> </a:t>
+            </a:r>
+            <a:r>
+              <a:rPr lang="fr-FR" sz="1600" dirty="0" err="1">
+                <a:solidFill>
+                  <a:schemeClr val="accent2"/>
+                </a:solidFill>
+              </a:rPr>
+              <a:t>Motor</a:t>
+            </a:r>
+            <a:r>
+              <a:rPr lang="fr-FR" sz="1600" dirty="0">
+                <a:solidFill>
+                  <a:schemeClr val="accent2"/>
+                </a:solidFill>
+              </a:rPr>
+              <a:t> Driver – TMC2100</a:t>
             </a:r>
           </a:p>
           <a:p>
@@ -3870,7 +3923,7 @@
                   <a:schemeClr val="accent2"/>
                 </a:solidFill>
               </a:rPr>
-              <a:t>Communication RF </a:t>
+              <a:t>RF data transmission</a:t>
             </a:r>
           </a:p>
           <a:p>
@@ -3914,7 +3967,23 @@
                   <a:schemeClr val="accent2"/>
                 </a:solidFill>
               </a:rPr>
-              <a:t>Capteurs position </a:t>
+              <a:t>Position </a:t>
+            </a:r>
+            <a:r>
+              <a:rPr lang="fr-FR" sz="1600" dirty="0" err="1">
+                <a:solidFill>
+                  <a:schemeClr val="accent2"/>
+                </a:solidFill>
+              </a:rPr>
+              <a:t>sensor</a:t>
+            </a:r>
+            <a:r>
+              <a:rPr lang="fr-FR" sz="1600" dirty="0">
+                <a:solidFill>
+                  <a:schemeClr val="accent2"/>
+                </a:solidFill>
+              </a:rPr>
+              <a:t> </a:t>
             </a:r>
             <a:r>
               <a:rPr lang="fr-FR" sz="1600" i="1" dirty="0">
@@ -3933,6 +4002,20 @@
               <a:t>(x3)</a:t>
             </a:r>
           </a:p>
+          <a:p>
+            <a:pPr marL="285750" indent="-285750">
+              <a:buFontTx/>
+              <a:buChar char="-"/>
+            </a:pPr>
+            <a:r>
+              <a:rPr lang="fr-FR" sz="1600" dirty="0">
+                <a:solidFill>
+                  <a:schemeClr val="accent2"/>
+                </a:solidFill>
+              </a:rPr>
+              <a:t>Light control (x3 – R / G / B)</a:t>
+            </a:r>
+          </a:p>
         </p:txBody>
       </p:sp>
       <p:cxnSp>
@@ -3991,7 +4074,7 @@
         <p:spPr>
           <a:xfrm>
             <a:off x="262934" y="754727"/>
-            <a:ext cx="7446077" cy="369332"/>
+            <a:ext cx="5008102" cy="369332"/>
           </a:xfrm>
           <a:prstGeom prst="rect">
             <a:avLst/>
@@ -4010,7 +4093,23 @@
                   <a:srgbClr val="002060"/>
                 </a:solidFill>
               </a:rPr>
-              <a:t>Pilotage banc de vision industrielle / Convoyeur </a:t>
+              <a:t>Control of computer vision </a:t>
+            </a:r>
+            <a:r>
+              <a:rPr lang="fr-FR" dirty="0" err="1">
+                <a:solidFill>
+                  <a:srgbClr val="002060"/>
+                </a:solidFill>
+              </a:rPr>
+              <a:t>bench</a:t>
+            </a:r>
+            <a:r>
+              <a:rPr lang="fr-FR" dirty="0">
+                <a:solidFill>
+                  <a:srgbClr val="002060"/>
+                </a:solidFill>
+              </a:rPr>
+              <a:t> / </a:t>
             </a:r>
             <a:r>
               <a:rPr lang="fr-FR" dirty="0" err="1">
@@ -4026,8 +4125,21 @@
                   <a:srgbClr val="002060"/>
                 </a:solidFill>
               </a:rPr>
-              <a:t> / Table Traçante 2 axes</a:t>
-            </a:r>
+              <a:t> </a:t>
+            </a:r>
+            <a:r>
+              <a:rPr lang="fr-FR" dirty="0" err="1">
+                <a:solidFill>
+                  <a:srgbClr val="002060"/>
+                </a:solidFill>
+              </a:rPr>
+              <a:t>conveyor</a:t>
+            </a:r>
+            <a:endParaRPr lang="fr-FR" dirty="0">
+              <a:solidFill>
+                <a:srgbClr val="002060"/>
+              </a:solidFill>
+            </a:endParaRPr>
           </a:p>
         </p:txBody>
       </p:sp>
@@ -4089,7 +4201,7 @@
         <p:spPr>
           <a:xfrm>
             <a:off x="262934" y="1716752"/>
-            <a:ext cx="1620124" cy="369332"/>
+            <a:ext cx="1095172" cy="369332"/>
           </a:xfrm>
           <a:prstGeom prst="rect">
             <a:avLst/>
@@ -4102,53 +4214,95 @@
           </a:bodyPr>
           <a:lstStyle/>
           <a:p>
+            <a:r>
+              <a:rPr lang="fr-FR" dirty="0" err="1">
+                <a:solidFill>
+                  <a:srgbClr val="002060"/>
+                </a:solidFill>
+              </a:rPr>
+              <a:t>Functions</a:t>
+            </a:r>
+            <a:endParaRPr lang="fr-FR" dirty="0">
+              <a:solidFill>
+                <a:srgbClr val="002060"/>
+              </a:solidFill>
+            </a:endParaRPr>
+          </a:p>
+        </p:txBody>
+      </p:sp>
+      <p:sp>
+        <p:nvSpPr>
+          <p:cNvPr id="5" name="ZoneTexte 4">
+            <a:extLst>
+              <a:ext uri="{FF2B5EF4-FFF2-40B4-BE49-F238E27FC236}">
+                <a16:creationId xmlns:a16="http://schemas.microsoft.com/office/drawing/2014/main" id="{28543A74-7DDE-6B75-F057-60FE31A2C1B7}"/>
+              </a:ext>
+            </a:extLst>
+          </p:cNvPr>
+          <p:cNvSpPr txBox="1"/>
+          <p:nvPr/>
+        </p:nvSpPr>
+        <p:spPr>
+          <a:xfrm>
+            <a:off x="262934" y="4812160"/>
+            <a:ext cx="3132139" cy="369332"/>
+          </a:xfrm>
+          <a:prstGeom prst="rect">
+            <a:avLst/>
+          </a:prstGeom>
+          <a:noFill/>
+        </p:spPr>
+        <p:txBody>
+          <a:bodyPr wrap="none" rtlCol="0">
+            <a:spAutoFit/>
+          </a:bodyPr>
+          <a:lstStyle/>
+          <a:p>
+            <a:r>
+              <a:rPr lang="fr-FR" dirty="0" err="1">
+                <a:solidFill>
+                  <a:srgbClr val="002060"/>
+                </a:solidFill>
+              </a:rPr>
+              <a:t>Based</a:t>
+            </a:r>
             <a:r>
               <a:rPr lang="fr-FR" dirty="0">
                 <a:solidFill>
                   <a:srgbClr val="002060"/>
                 </a:solidFill>
               </a:rPr>
-              <a:t>Fonctionnalités</a:t>
-            </a:r>
-          </a:p>
-        </p:txBody>
-      </p:sp>
-      <p:sp>
-        <p:nvSpPr>
-          <p:cNvPr id="5" name="ZoneTexte 4">
-            <a:extLst>
-              <a:ext uri="{FF2B5EF4-FFF2-40B4-BE49-F238E27FC236}">
-                <a16:creationId xmlns:a16="http://schemas.microsoft.com/office/drawing/2014/main" id="{28543A74-7DDE-6B75-F057-60FE31A2C1B7}"/>
-              </a:ext>
-            </a:extLst>
-          </p:cNvPr>
-          <p:cNvSpPr txBox="1"/>
-          <p:nvPr/>
-        </p:nvSpPr>
-        <p:spPr>
-          <a:xfrm>
-            <a:off x="262934" y="4812160"/>
-            <a:ext cx="3240374" cy="369332"/>
-          </a:xfrm>
-          <a:prstGeom prst="rect">
-            <a:avLst/>
-          </a:prstGeom>
-          <a:noFill/>
-        </p:spPr>
-        <p:txBody>
-          <a:bodyPr wrap="none" rtlCol="0">
-            <a:spAutoFit/>
-          </a:bodyPr>
-          <a:lstStyle/>
-          <a:p>
+              <a:t> on </a:t>
+            </a:r>
+            <a:r>
+              <a:rPr lang="fr-FR" dirty="0" err="1">
+                <a:solidFill>
+                  <a:srgbClr val="002060"/>
+                </a:solidFill>
+              </a:rPr>
+              <a:t>Nucleo</a:t>
+            </a:r>
             <a:r>
               <a:rPr lang="fr-FR" dirty="0">
                 <a:solidFill>
                   <a:srgbClr val="002060"/>
                 </a:solidFill>
               </a:rPr>
-              <a:t>Basée sur une carte Nucléo L476</a:t>
-            </a:r>
+              <a:t> L476RG </a:t>
+            </a:r>
+            <a:r>
+              <a:rPr lang="fr-FR" dirty="0" err="1">
+                <a:solidFill>
+                  <a:srgbClr val="002060"/>
+                </a:solidFill>
+              </a:rPr>
+              <a:t>board</a:t>
+            </a:r>
+            <a:endParaRPr lang="fr-FR" dirty="0">
+              <a:solidFill>
+                <a:srgbClr val="002060"/>
+              </a:solidFill>
+            </a:endParaRPr>
           </a:p>
         </p:txBody>
       </p:sp>
@@ -4180,6 +4334,7 @@
           </a:bodyPr>
           <a:lstStyle/>
           <a:p>
+            <a:pPr algn="ctr"/>
             <a:r>
               <a:rPr lang="fr-FR" sz="6600" dirty="0">
                 <a:solidFill>
@@ -4188,7 +4343,7 @@
                   </a:schemeClr>
                 </a:solidFill>
               </a:rPr>
-              <a:t>APPROBATION EN COURS</a:t>
+              <a:t>PROJECT VERSION</a:t>
             </a:r>
           </a:p>
         </p:txBody>
@@ -4409,7 +4564,7 @@
             <a:pPr algn="ctr"/>
             <a:r>
               <a:rPr lang="fr-FR" sz="1000" dirty="0"/>
-              <a:t>Sortie Numérique</a:t>
+              <a:t>Digital Output</a:t>
             </a:r>
           </a:p>
         </p:txBody>
@@ -4461,7 +4616,7 @@
             <a:pPr algn="ctr"/>
             <a:r>
               <a:rPr lang="fr-FR" sz="1000" dirty="0"/>
-              <a:t>Entrée Numérique</a:t>
+              <a:t>Digital Input</a:t>
             </a:r>
           </a:p>
         </p:txBody>
@@ -4512,8 +4667,12 @@
           <a:p>
             <a:pPr algn="ctr"/>
             <a:r>
+              <a:rPr lang="fr-FR" sz="1000" dirty="0" err="1"/>
+              <a:t>Analog</a:t>
+            </a:r>
+            <a:r>
               <a:rPr lang="fr-FR" sz="1000" dirty="0"/>
-              <a:t>Entrée Analogique</a:t>
+              <a:t> Input</a:t>
             </a:r>
           </a:p>
         </p:txBody>
@@ -4853,7 +5012,7 @@
             <a:avLst/>
           </a:prstGeom>
           <a:solidFill>
-            <a:srgbClr val="AFABAB"/>
+            <a:srgbClr val="4472C4"/>
           </a:solidFill>
         </p:spPr>
         <p:style>
@@ -4905,7 +5064,7 @@
             <a:avLst/>
           </a:prstGeom>
           <a:solidFill>
-            <a:srgbClr val="AFABAB"/>
+            <a:srgbClr val="4472C4"/>
           </a:solidFill>
         </p:spPr>
         <p:style>
@@ -5330,7 +5489,7 @@
             <a:avLst/>
           </a:prstGeom>
           <a:solidFill>
-            <a:srgbClr val="AFABAB"/>
+            <a:srgbClr val="4472C4"/>
           </a:solidFill>
         </p:spPr>
         <p:style>
@@ -5382,7 +5541,7 @@
             <a:avLst/>
           </a:prstGeom>
           <a:solidFill>
-            <a:srgbClr val="AFABAB"/>
+            <a:srgbClr val="4472C4"/>
           </a:solidFill>
         </p:spPr>
         <p:style>
@@ -5795,7 +5954,7 @@
             <a:avLst/>
           </a:prstGeom>
           <a:solidFill>
-            <a:srgbClr val="ED7D31"/>
+            <a:srgbClr val="4472C4"/>
           </a:solidFill>
         </p:spPr>
         <p:style>
@@ -9090,17 +9249,1224 @@
             <a:pPr algn="ctr"/>
             <a:r>
               <a:rPr lang="fr-FR" sz="1000" dirty="0"/>
-              <a:t>Non utilisée</a:t>
-            </a:r>
-          </a:p>
-        </p:txBody>
-      </p:sp>
-      <p:sp>
-        <p:nvSpPr>
-          <p:cNvPr id="2" name="ZoneTexte 1">
-            <a:extLst>
-              <a:ext uri="{FF2B5EF4-FFF2-40B4-BE49-F238E27FC236}">
-                <a16:creationId xmlns:a16="http://schemas.microsoft.com/office/drawing/2014/main" id="{1F659560-FE6F-8375-D655-33CD608981C2}"/>
+              <a:t>Not </a:t>
+            </a:r>
+            <a:r>
+              <a:rPr lang="fr-FR" sz="1000" dirty="0" err="1"/>
+              <a:t>Used</a:t>
+            </a:r>
+            <a:endParaRPr lang="fr-FR" sz="1000" dirty="0"/>
+          </a:p>
+        </p:txBody>
+      </p:sp>
+      <p:sp>
+        <p:nvSpPr>
+          <p:cNvPr id="5" name="Rectangle : coins arrondis 4">
+            <a:extLst>
+              <a:ext uri="{FF2B5EF4-FFF2-40B4-BE49-F238E27FC236}">
+                <a16:creationId xmlns:a16="http://schemas.microsoft.com/office/drawing/2014/main" id="{CE53F7D5-6F33-C516-157E-BE2505A96506}"/>
+              </a:ext>
+            </a:extLst>
+          </p:cNvPr>
+          <p:cNvSpPr/>
+          <p:nvPr/>
+        </p:nvSpPr>
+        <p:spPr>
+          <a:xfrm>
+            <a:off x="2248543" y="4760412"/>
+            <a:ext cx="854593" cy="148656"/>
+          </a:xfrm>
+          <a:prstGeom prst="roundRect">
+            <a:avLst/>
+          </a:prstGeom>
+          <a:solidFill>
+            <a:schemeClr val="accent1"/>
+          </a:solidFill>
+        </p:spPr>
+        <p:style>
+          <a:lnRef idx="2">
+            <a:schemeClr val="accent1">
+              <a:shade val="50000"/>
+            </a:schemeClr>
+          </a:lnRef>
+          <a:fillRef idx="1">
+            <a:schemeClr val="accent1"/>
+          </a:fillRef>
+          <a:effectRef idx="0">
+            <a:schemeClr val="accent1"/>
+          </a:effectRef>
+          <a:fontRef idx="minor">
+            <a:schemeClr val="lt1"/>
+          </a:fontRef>
+        </p:style>
+        <p:txBody>
+          <a:bodyPr rtlCol="0" anchor="ctr"/>
+          <a:lstStyle/>
+          <a:p>
+            <a:pPr algn="ctr"/>
+            <a:r>
+              <a:rPr lang="fr-FR" sz="900" dirty="0"/>
+              <a:t>CAPT 1</a:t>
+            </a:r>
+          </a:p>
+        </p:txBody>
+      </p:sp>
+      <p:sp>
+        <p:nvSpPr>
+          <p:cNvPr id="6" name="Rectangle : coins arrondis 5">
+            <a:extLst>
+              <a:ext uri="{FF2B5EF4-FFF2-40B4-BE49-F238E27FC236}">
+                <a16:creationId xmlns:a16="http://schemas.microsoft.com/office/drawing/2014/main" id="{FF17B0D0-845E-2D23-3EE6-1622D2C1FB1A}"/>
+              </a:ext>
+            </a:extLst>
+          </p:cNvPr>
+          <p:cNvSpPr/>
+          <p:nvPr/>
+        </p:nvSpPr>
+        <p:spPr>
+          <a:xfrm>
+            <a:off x="2248543" y="4955810"/>
+            <a:ext cx="854593" cy="148656"/>
+          </a:xfrm>
+          <a:prstGeom prst="roundRect">
+            <a:avLst/>
+          </a:prstGeom>
+          <a:solidFill>
+            <a:schemeClr val="accent1"/>
+          </a:solidFill>
+        </p:spPr>
+        <p:style>
+          <a:lnRef idx="2">
+            <a:schemeClr val="accent1">
+              <a:shade val="50000"/>
+            </a:schemeClr>
+          </a:lnRef>
+          <a:fillRef idx="1">
+            <a:schemeClr val="accent1"/>
+          </a:fillRef>
+          <a:effectRef idx="0">
+            <a:schemeClr val="accent1"/>
+          </a:effectRef>
+          <a:fontRef idx="minor">
+            <a:schemeClr val="lt1"/>
+          </a:fontRef>
+        </p:style>
+        <p:txBody>
+          <a:bodyPr rtlCol="0" anchor="ctr"/>
+          <a:lstStyle/>
+          <a:p>
+            <a:pPr algn="ctr"/>
+            <a:r>
+              <a:rPr lang="fr-FR" sz="900" dirty="0"/>
+              <a:t>CAPT 2</a:t>
+            </a:r>
+          </a:p>
+        </p:txBody>
+      </p:sp>
+      <p:sp>
+        <p:nvSpPr>
+          <p:cNvPr id="7" name="Rectangle : coins arrondis 6">
+            <a:extLst>
+              <a:ext uri="{FF2B5EF4-FFF2-40B4-BE49-F238E27FC236}">
+                <a16:creationId xmlns:a16="http://schemas.microsoft.com/office/drawing/2014/main" id="{3779FA99-38DC-EEB7-BB38-543683BA31E9}"/>
+              </a:ext>
+            </a:extLst>
+          </p:cNvPr>
+          <p:cNvSpPr/>
+          <p:nvPr/>
+        </p:nvSpPr>
+        <p:spPr>
+          <a:xfrm>
+            <a:off x="2248543" y="5156415"/>
+            <a:ext cx="854593" cy="148656"/>
+          </a:xfrm>
+          <a:prstGeom prst="roundRect">
+            <a:avLst/>
+          </a:prstGeom>
+          <a:solidFill>
+            <a:schemeClr val="accent1"/>
+          </a:solidFill>
+        </p:spPr>
+        <p:style>
+          <a:lnRef idx="2">
+            <a:schemeClr val="accent1">
+              <a:shade val="50000"/>
+            </a:schemeClr>
+          </a:lnRef>
+          <a:fillRef idx="1">
+            <a:schemeClr val="accent1"/>
+          </a:fillRef>
+          <a:effectRef idx="0">
+            <a:schemeClr val="accent1"/>
+          </a:effectRef>
+          <a:fontRef idx="minor">
+            <a:schemeClr val="lt1"/>
+          </a:fontRef>
+        </p:style>
+        <p:txBody>
+          <a:bodyPr rtlCol="0" anchor="ctr"/>
+          <a:lstStyle/>
+          <a:p>
+            <a:pPr algn="ctr"/>
+            <a:r>
+              <a:rPr lang="fr-FR" sz="900" dirty="0"/>
+              <a:t>CAPT 3</a:t>
+            </a:r>
+          </a:p>
+        </p:txBody>
+      </p:sp>
+      <p:sp>
+        <p:nvSpPr>
+          <p:cNvPr id="8" name="Rectangle : coins arrondis 7">
+            <a:extLst>
+              <a:ext uri="{FF2B5EF4-FFF2-40B4-BE49-F238E27FC236}">
+                <a16:creationId xmlns:a16="http://schemas.microsoft.com/office/drawing/2014/main" id="{CAA465F4-6F9E-8A6E-6AE0-CFB59F507CA1}"/>
+              </a:ext>
+            </a:extLst>
+          </p:cNvPr>
+          <p:cNvSpPr/>
+          <p:nvPr/>
+        </p:nvSpPr>
+        <p:spPr>
+          <a:xfrm>
+            <a:off x="2248543" y="5346801"/>
+            <a:ext cx="854593" cy="148656"/>
+          </a:xfrm>
+          <a:prstGeom prst="roundRect">
+            <a:avLst/>
+          </a:prstGeom>
+          <a:solidFill>
+            <a:srgbClr val="ED7D31"/>
+          </a:solidFill>
+        </p:spPr>
+        <p:style>
+          <a:lnRef idx="2">
+            <a:schemeClr val="accent1">
+              <a:shade val="50000"/>
+            </a:schemeClr>
+          </a:lnRef>
+          <a:fillRef idx="1">
+            <a:schemeClr val="accent1"/>
+          </a:fillRef>
+          <a:effectRef idx="0">
+            <a:schemeClr val="accent1"/>
+          </a:effectRef>
+          <a:fontRef idx="minor">
+            <a:schemeClr val="lt1"/>
+          </a:fontRef>
+        </p:style>
+        <p:txBody>
+          <a:bodyPr rtlCol="0" anchor="ctr"/>
+          <a:lstStyle/>
+          <a:p>
+            <a:pPr algn="ctr"/>
+            <a:r>
+              <a:rPr lang="fr-FR" sz="900" dirty="0"/>
+              <a:t>ECLAIR 3</a:t>
+            </a:r>
+          </a:p>
+        </p:txBody>
+      </p:sp>
+      <p:sp>
+        <p:nvSpPr>
+          <p:cNvPr id="9" name="Rectangle : coins arrondis 8">
+            <a:extLst>
+              <a:ext uri="{FF2B5EF4-FFF2-40B4-BE49-F238E27FC236}">
+                <a16:creationId xmlns:a16="http://schemas.microsoft.com/office/drawing/2014/main" id="{2546E7F2-17DF-30D0-28D1-41B323197273}"/>
+              </a:ext>
+            </a:extLst>
+          </p:cNvPr>
+          <p:cNvSpPr/>
+          <p:nvPr/>
+        </p:nvSpPr>
+        <p:spPr>
+          <a:xfrm>
+            <a:off x="2255245" y="5734342"/>
+            <a:ext cx="854593" cy="148656"/>
+          </a:xfrm>
+          <a:prstGeom prst="roundRect">
+            <a:avLst/>
+          </a:prstGeom>
+          <a:solidFill>
+            <a:srgbClr val="ED7D31"/>
+          </a:solidFill>
+        </p:spPr>
+        <p:style>
+          <a:lnRef idx="2">
+            <a:schemeClr val="accent1">
+              <a:shade val="50000"/>
+            </a:schemeClr>
+          </a:lnRef>
+          <a:fillRef idx="1">
+            <a:schemeClr val="accent1"/>
+          </a:fillRef>
+          <a:effectRef idx="0">
+            <a:schemeClr val="accent1"/>
+          </a:effectRef>
+          <a:fontRef idx="minor">
+            <a:schemeClr val="lt1"/>
+          </a:fontRef>
+        </p:style>
+        <p:txBody>
+          <a:bodyPr rtlCol="0" anchor="ctr"/>
+          <a:lstStyle/>
+          <a:p>
+            <a:pPr algn="ctr"/>
+            <a:r>
+              <a:rPr lang="fr-FR" sz="900" dirty="0"/>
+              <a:t>ECLAIR 2</a:t>
+            </a:r>
+          </a:p>
+        </p:txBody>
+      </p:sp>
+      <p:sp>
+        <p:nvSpPr>
+          <p:cNvPr id="10" name="Rectangle : coins arrondis 9">
+            <a:extLst>
+              <a:ext uri="{FF2B5EF4-FFF2-40B4-BE49-F238E27FC236}">
+                <a16:creationId xmlns:a16="http://schemas.microsoft.com/office/drawing/2014/main" id="{4D8E3256-2D44-5069-FD92-7700663E3FF4}"/>
+              </a:ext>
+            </a:extLst>
+          </p:cNvPr>
+          <p:cNvSpPr/>
+          <p:nvPr/>
+        </p:nvSpPr>
+        <p:spPr>
+          <a:xfrm>
+            <a:off x="2255245" y="5920269"/>
+            <a:ext cx="854593" cy="148656"/>
+          </a:xfrm>
+          <a:prstGeom prst="roundRect">
+            <a:avLst/>
+          </a:prstGeom>
+          <a:solidFill>
+            <a:srgbClr val="ED7D31"/>
+          </a:solidFill>
+        </p:spPr>
+        <p:style>
+          <a:lnRef idx="2">
+            <a:schemeClr val="accent1">
+              <a:shade val="50000"/>
+            </a:schemeClr>
+          </a:lnRef>
+          <a:fillRef idx="1">
+            <a:schemeClr val="accent1"/>
+          </a:fillRef>
+          <a:effectRef idx="0">
+            <a:schemeClr val="accent1"/>
+          </a:effectRef>
+          <a:fontRef idx="minor">
+            <a:schemeClr val="lt1"/>
+          </a:fontRef>
+        </p:style>
+        <p:txBody>
+          <a:bodyPr rtlCol="0" anchor="ctr"/>
+          <a:lstStyle/>
+          <a:p>
+            <a:pPr algn="ctr"/>
+            <a:r>
+              <a:rPr lang="fr-FR" sz="900" dirty="0"/>
+              <a:t>ECLAIR 1</a:t>
+            </a:r>
+          </a:p>
+        </p:txBody>
+      </p:sp>
+      <p:sp>
+        <p:nvSpPr>
+          <p:cNvPr id="11" name="Rectangle : coins arrondis 10">
+            <a:extLst>
+              <a:ext uri="{FF2B5EF4-FFF2-40B4-BE49-F238E27FC236}">
+                <a16:creationId xmlns:a16="http://schemas.microsoft.com/office/drawing/2014/main" id="{F09A2F56-7E8C-12DA-434D-0F087CD45BE8}"/>
+              </a:ext>
+            </a:extLst>
+          </p:cNvPr>
+          <p:cNvSpPr/>
+          <p:nvPr/>
+        </p:nvSpPr>
+        <p:spPr>
+          <a:xfrm>
+            <a:off x="1892961" y="6419748"/>
+            <a:ext cx="1579160" cy="210983"/>
+          </a:xfrm>
+          <a:prstGeom prst="roundRect">
+            <a:avLst/>
+          </a:prstGeom>
+          <a:solidFill>
+            <a:schemeClr val="accent4">
+              <a:lumMod val="50000"/>
+            </a:schemeClr>
+          </a:solidFill>
+        </p:spPr>
+        <p:style>
+          <a:lnRef idx="2">
+            <a:schemeClr val="accent1">
+              <a:shade val="50000"/>
+            </a:schemeClr>
+          </a:lnRef>
+          <a:fillRef idx="1">
+            <a:schemeClr val="accent1"/>
+          </a:fillRef>
+          <a:effectRef idx="0">
+            <a:schemeClr val="accent1"/>
+          </a:effectRef>
+          <a:fontRef idx="minor">
+            <a:schemeClr val="lt1"/>
+          </a:fontRef>
+        </p:style>
+        <p:txBody>
+          <a:bodyPr rtlCol="0" anchor="ctr"/>
+          <a:lstStyle/>
+          <a:p>
+            <a:pPr algn="ctr"/>
+            <a:r>
+              <a:rPr lang="fr-FR" sz="1000" dirty="0" err="1"/>
+              <a:t>Analog</a:t>
+            </a:r>
+            <a:r>
+              <a:rPr lang="fr-FR" sz="1000" dirty="0"/>
+              <a:t> Output</a:t>
+            </a:r>
+          </a:p>
+        </p:txBody>
+      </p:sp>
+      <p:sp>
+        <p:nvSpPr>
+          <p:cNvPr id="13" name="Rectangle : coins arrondis 12">
+            <a:extLst>
+              <a:ext uri="{FF2B5EF4-FFF2-40B4-BE49-F238E27FC236}">
+                <a16:creationId xmlns:a16="http://schemas.microsoft.com/office/drawing/2014/main" id="{CEE750A7-161C-4D40-F723-686BF6DCB186}"/>
+              </a:ext>
+            </a:extLst>
+          </p:cNvPr>
+          <p:cNvSpPr/>
+          <p:nvPr/>
+        </p:nvSpPr>
+        <p:spPr>
+          <a:xfrm>
+            <a:off x="5430471" y="5341995"/>
+            <a:ext cx="854593" cy="148656"/>
+          </a:xfrm>
+          <a:prstGeom prst="roundRect">
+            <a:avLst/>
+          </a:prstGeom>
+          <a:solidFill>
+            <a:srgbClr val="70AD47"/>
+          </a:solidFill>
+        </p:spPr>
+        <p:style>
+          <a:lnRef idx="2">
+            <a:schemeClr val="accent1">
+              <a:shade val="50000"/>
+            </a:schemeClr>
+          </a:lnRef>
+          <a:fillRef idx="1">
+            <a:schemeClr val="accent1"/>
+          </a:fillRef>
+          <a:effectRef idx="0">
+            <a:schemeClr val="accent1"/>
+          </a:effectRef>
+          <a:fontRef idx="minor">
+            <a:schemeClr val="lt1"/>
+          </a:fontRef>
+        </p:style>
+        <p:txBody>
+          <a:bodyPr rtlCol="0" anchor="ctr"/>
+          <a:lstStyle/>
+          <a:p>
+            <a:pPr algn="ctr"/>
+            <a:r>
+              <a:rPr lang="fr-FR" sz="900" dirty="0"/>
+              <a:t>V_OUT_REF</a:t>
+            </a:r>
+          </a:p>
+        </p:txBody>
+      </p:sp>
+      <p:sp>
+        <p:nvSpPr>
+          <p:cNvPr id="14" name="Rectangle : coins arrondis 13">
+            <a:extLst>
+              <a:ext uri="{FF2B5EF4-FFF2-40B4-BE49-F238E27FC236}">
+                <a16:creationId xmlns:a16="http://schemas.microsoft.com/office/drawing/2014/main" id="{F03BC849-77B2-E17C-B172-905C923B2CF6}"/>
+              </a:ext>
+            </a:extLst>
+          </p:cNvPr>
+          <p:cNvSpPr/>
+          <p:nvPr/>
+        </p:nvSpPr>
+        <p:spPr>
+          <a:xfrm>
+            <a:off x="10233179" y="2426548"/>
+            <a:ext cx="854593" cy="148656"/>
+          </a:xfrm>
+          <a:prstGeom prst="roundRect">
+            <a:avLst/>
+          </a:prstGeom>
+          <a:solidFill>
+            <a:srgbClr val="ED7D31"/>
+          </a:solidFill>
+        </p:spPr>
+        <p:style>
+          <a:lnRef idx="2">
+            <a:schemeClr val="accent1">
+              <a:shade val="50000"/>
+            </a:schemeClr>
+          </a:lnRef>
+          <a:fillRef idx="1">
+            <a:schemeClr val="accent1"/>
+          </a:fillRef>
+          <a:effectRef idx="0">
+            <a:schemeClr val="accent1"/>
+          </a:effectRef>
+          <a:fontRef idx="minor">
+            <a:schemeClr val="lt1"/>
+          </a:fontRef>
+        </p:style>
+        <p:txBody>
+          <a:bodyPr rtlCol="0" anchor="ctr"/>
+          <a:lstStyle/>
+          <a:p>
+            <a:pPr algn="ctr"/>
+            <a:r>
+              <a:rPr lang="fr-FR" sz="900" dirty="0"/>
+              <a:t>POUSS. 2</a:t>
+            </a:r>
+          </a:p>
+        </p:txBody>
+      </p:sp>
+      <p:sp>
+        <p:nvSpPr>
+          <p:cNvPr id="15" name="Rectangle : coins arrondis 14">
+            <a:extLst>
+              <a:ext uri="{FF2B5EF4-FFF2-40B4-BE49-F238E27FC236}">
+                <a16:creationId xmlns:a16="http://schemas.microsoft.com/office/drawing/2014/main" id="{31F78F7B-12B8-EB0E-7421-C05E2E66D200}"/>
+              </a:ext>
+            </a:extLst>
+          </p:cNvPr>
+          <p:cNvSpPr/>
+          <p:nvPr/>
+        </p:nvSpPr>
+        <p:spPr>
+          <a:xfrm>
+            <a:off x="7086737" y="2426668"/>
+            <a:ext cx="854593" cy="148656"/>
+          </a:xfrm>
+          <a:prstGeom prst="roundRect">
+            <a:avLst/>
+          </a:prstGeom>
+          <a:solidFill>
+            <a:srgbClr val="ED7D31"/>
+          </a:solidFill>
+        </p:spPr>
+        <p:style>
+          <a:lnRef idx="2">
+            <a:schemeClr val="accent1">
+              <a:shade val="50000"/>
+            </a:schemeClr>
+          </a:lnRef>
+          <a:fillRef idx="1">
+            <a:schemeClr val="accent1"/>
+          </a:fillRef>
+          <a:effectRef idx="0">
+            <a:schemeClr val="accent1"/>
+          </a:effectRef>
+          <a:fontRef idx="minor">
+            <a:schemeClr val="lt1"/>
+          </a:fontRef>
+        </p:style>
+        <p:txBody>
+          <a:bodyPr rtlCol="0" anchor="ctr"/>
+          <a:lstStyle/>
+          <a:p>
+            <a:pPr algn="ctr"/>
+            <a:r>
+              <a:rPr lang="fr-FR" sz="900" dirty="0"/>
+              <a:t>POUSS. 3</a:t>
+            </a:r>
+          </a:p>
+        </p:txBody>
+      </p:sp>
+      <p:sp>
+        <p:nvSpPr>
+          <p:cNvPr id="16" name="Rectangle : coins arrondis 15">
+            <a:extLst>
+              <a:ext uri="{FF2B5EF4-FFF2-40B4-BE49-F238E27FC236}">
+                <a16:creationId xmlns:a16="http://schemas.microsoft.com/office/drawing/2014/main" id="{9E58B854-8A47-2C3E-5C38-33D971939CA1}"/>
+              </a:ext>
+            </a:extLst>
+          </p:cNvPr>
+          <p:cNvSpPr/>
+          <p:nvPr/>
+        </p:nvSpPr>
+        <p:spPr>
+          <a:xfrm>
+            <a:off x="10233179" y="2618190"/>
+            <a:ext cx="854593" cy="148656"/>
+          </a:xfrm>
+          <a:prstGeom prst="roundRect">
+            <a:avLst/>
+          </a:prstGeom>
+          <a:solidFill>
+            <a:srgbClr val="ED7D31"/>
+          </a:solidFill>
+        </p:spPr>
+        <p:style>
+          <a:lnRef idx="2">
+            <a:schemeClr val="accent1">
+              <a:shade val="50000"/>
+            </a:schemeClr>
+          </a:lnRef>
+          <a:fillRef idx="1">
+            <a:schemeClr val="accent1"/>
+          </a:fillRef>
+          <a:effectRef idx="0">
+            <a:schemeClr val="accent1"/>
+          </a:effectRef>
+          <a:fontRef idx="minor">
+            <a:schemeClr val="lt1"/>
+          </a:fontRef>
+        </p:style>
+        <p:txBody>
+          <a:bodyPr rtlCol="0" anchor="ctr"/>
+          <a:lstStyle/>
+          <a:p>
+            <a:pPr algn="ctr"/>
+            <a:r>
+              <a:rPr lang="fr-FR" sz="900" dirty="0"/>
+              <a:t>POUSS. 1</a:t>
+            </a:r>
+          </a:p>
+        </p:txBody>
+      </p:sp>
+      <p:sp>
+        <p:nvSpPr>
+          <p:cNvPr id="17" name="Rectangle : coins arrondis 16">
+            <a:extLst>
+              <a:ext uri="{FF2B5EF4-FFF2-40B4-BE49-F238E27FC236}">
+                <a16:creationId xmlns:a16="http://schemas.microsoft.com/office/drawing/2014/main" id="{8060D8CA-601F-B273-875F-E1DA38473EED}"/>
+              </a:ext>
+            </a:extLst>
+          </p:cNvPr>
+          <p:cNvSpPr/>
+          <p:nvPr/>
+        </p:nvSpPr>
+        <p:spPr>
+          <a:xfrm>
+            <a:off x="10233179" y="3571911"/>
+            <a:ext cx="854593" cy="148656"/>
+          </a:xfrm>
+          <a:prstGeom prst="roundRect">
+            <a:avLst/>
+          </a:prstGeom>
+          <a:solidFill>
+            <a:srgbClr val="ED7D31"/>
+          </a:solidFill>
+        </p:spPr>
+        <p:style>
+          <a:lnRef idx="2">
+            <a:schemeClr val="accent1">
+              <a:shade val="50000"/>
+            </a:schemeClr>
+          </a:lnRef>
+          <a:fillRef idx="1">
+            <a:schemeClr val="accent1"/>
+          </a:fillRef>
+          <a:effectRef idx="0">
+            <a:schemeClr val="accent1"/>
+          </a:effectRef>
+          <a:fontRef idx="minor">
+            <a:schemeClr val="lt1"/>
+          </a:fontRef>
+        </p:style>
+        <p:txBody>
+          <a:bodyPr rtlCol="0" anchor="ctr"/>
+          <a:lstStyle/>
+          <a:p>
+            <a:pPr algn="ctr"/>
+            <a:r>
+              <a:rPr lang="fr-FR" sz="900" dirty="0"/>
+              <a:t>LED 1</a:t>
+            </a:r>
+          </a:p>
+        </p:txBody>
+      </p:sp>
+      <p:sp>
+        <p:nvSpPr>
+          <p:cNvPr id="18" name="Rectangle : coins arrondis 17">
+            <a:extLst>
+              <a:ext uri="{FF2B5EF4-FFF2-40B4-BE49-F238E27FC236}">
+                <a16:creationId xmlns:a16="http://schemas.microsoft.com/office/drawing/2014/main" id="{B09492F2-8122-EB01-B3D6-44110027D3B0}"/>
+              </a:ext>
+            </a:extLst>
+          </p:cNvPr>
+          <p:cNvSpPr/>
+          <p:nvPr/>
+        </p:nvSpPr>
+        <p:spPr>
+          <a:xfrm>
+            <a:off x="10233179" y="3962602"/>
+            <a:ext cx="854593" cy="148656"/>
+          </a:xfrm>
+          <a:prstGeom prst="roundRect">
+            <a:avLst/>
+          </a:prstGeom>
+          <a:solidFill>
+            <a:srgbClr val="ED7D31"/>
+          </a:solidFill>
+        </p:spPr>
+        <p:style>
+          <a:lnRef idx="2">
+            <a:schemeClr val="accent1">
+              <a:shade val="50000"/>
+            </a:schemeClr>
+          </a:lnRef>
+          <a:fillRef idx="1">
+            <a:schemeClr val="accent1"/>
+          </a:fillRef>
+          <a:effectRef idx="0">
+            <a:schemeClr val="accent1"/>
+          </a:effectRef>
+          <a:fontRef idx="minor">
+            <a:schemeClr val="lt1"/>
+          </a:fontRef>
+        </p:style>
+        <p:txBody>
+          <a:bodyPr rtlCol="0" anchor="ctr"/>
+          <a:lstStyle/>
+          <a:p>
+            <a:pPr algn="ctr"/>
+            <a:r>
+              <a:rPr lang="fr-FR" sz="900" dirty="0"/>
+              <a:t>LED 2</a:t>
+            </a:r>
+          </a:p>
+        </p:txBody>
+      </p:sp>
+      <p:sp>
+        <p:nvSpPr>
+          <p:cNvPr id="19" name="Rectangle : coins arrondis 18">
+            <a:extLst>
+              <a:ext uri="{FF2B5EF4-FFF2-40B4-BE49-F238E27FC236}">
+                <a16:creationId xmlns:a16="http://schemas.microsoft.com/office/drawing/2014/main" id="{26A3B39B-8685-A0DB-6B16-AE5993086DC6}"/>
+              </a:ext>
+            </a:extLst>
+          </p:cNvPr>
+          <p:cNvSpPr/>
+          <p:nvPr/>
+        </p:nvSpPr>
+        <p:spPr>
+          <a:xfrm>
+            <a:off x="7073843" y="5518169"/>
+            <a:ext cx="854593" cy="148656"/>
+          </a:xfrm>
+          <a:prstGeom prst="roundRect">
+            <a:avLst/>
+          </a:prstGeom>
+          <a:solidFill>
+            <a:schemeClr val="accent2"/>
+          </a:solidFill>
+        </p:spPr>
+        <p:style>
+          <a:lnRef idx="2">
+            <a:schemeClr val="accent1">
+              <a:shade val="50000"/>
+            </a:schemeClr>
+          </a:lnRef>
+          <a:fillRef idx="1">
+            <a:schemeClr val="accent1"/>
+          </a:fillRef>
+          <a:effectRef idx="0">
+            <a:schemeClr val="accent1"/>
+          </a:effectRef>
+          <a:fontRef idx="minor">
+            <a:schemeClr val="lt1"/>
+          </a:fontRef>
+        </p:style>
+        <p:txBody>
+          <a:bodyPr rtlCol="0" anchor="ctr"/>
+          <a:lstStyle/>
+          <a:p>
+            <a:pPr algn="ctr"/>
+            <a:r>
+              <a:rPr lang="fr-FR" sz="900" dirty="0"/>
+              <a:t>MOT1_STEP</a:t>
+            </a:r>
+          </a:p>
+        </p:txBody>
+      </p:sp>
+      <p:sp>
+        <p:nvSpPr>
+          <p:cNvPr id="20" name="Rectangle : coins arrondis 19">
+            <a:extLst>
+              <a:ext uri="{FF2B5EF4-FFF2-40B4-BE49-F238E27FC236}">
+                <a16:creationId xmlns:a16="http://schemas.microsoft.com/office/drawing/2014/main" id="{491622B6-85EA-DA8A-0962-A4D973FE975E}"/>
+              </a:ext>
+            </a:extLst>
+          </p:cNvPr>
+          <p:cNvSpPr/>
+          <p:nvPr/>
+        </p:nvSpPr>
+        <p:spPr>
+          <a:xfrm>
+            <a:off x="7083028" y="5325907"/>
+            <a:ext cx="854593" cy="148656"/>
+          </a:xfrm>
+          <a:prstGeom prst="roundRect">
+            <a:avLst/>
+          </a:prstGeom>
+          <a:solidFill>
+            <a:schemeClr val="accent2"/>
+          </a:solidFill>
+        </p:spPr>
+        <p:style>
+          <a:lnRef idx="2">
+            <a:schemeClr val="accent1">
+              <a:shade val="50000"/>
+            </a:schemeClr>
+          </a:lnRef>
+          <a:fillRef idx="1">
+            <a:schemeClr val="accent1"/>
+          </a:fillRef>
+          <a:effectRef idx="0">
+            <a:schemeClr val="accent1"/>
+          </a:effectRef>
+          <a:fontRef idx="minor">
+            <a:schemeClr val="lt1"/>
+          </a:fontRef>
+        </p:style>
+        <p:txBody>
+          <a:bodyPr rtlCol="0" anchor="ctr"/>
+          <a:lstStyle/>
+          <a:p>
+            <a:pPr algn="ctr"/>
+            <a:r>
+              <a:rPr lang="fr-FR" sz="900" dirty="0"/>
+              <a:t>MOT1_DIR</a:t>
+            </a:r>
+          </a:p>
+        </p:txBody>
+      </p:sp>
+      <p:sp>
+        <p:nvSpPr>
+          <p:cNvPr id="22" name="Rectangle : coins arrondis 21">
+            <a:extLst>
+              <a:ext uri="{FF2B5EF4-FFF2-40B4-BE49-F238E27FC236}">
+                <a16:creationId xmlns:a16="http://schemas.microsoft.com/office/drawing/2014/main" id="{37CA2E73-705F-2499-6E04-CE189CD5A854}"/>
+              </a:ext>
+            </a:extLst>
+          </p:cNvPr>
+          <p:cNvSpPr/>
+          <p:nvPr/>
+        </p:nvSpPr>
+        <p:spPr>
+          <a:xfrm>
+            <a:off x="10233179" y="5131529"/>
+            <a:ext cx="854593" cy="148656"/>
+          </a:xfrm>
+          <a:prstGeom prst="roundRect">
+            <a:avLst/>
+          </a:prstGeom>
+          <a:solidFill>
+            <a:schemeClr val="accent2"/>
+          </a:solidFill>
+        </p:spPr>
+        <p:style>
+          <a:lnRef idx="2">
+            <a:schemeClr val="accent1">
+              <a:shade val="50000"/>
+            </a:schemeClr>
+          </a:lnRef>
+          <a:fillRef idx="1">
+            <a:schemeClr val="accent1"/>
+          </a:fillRef>
+          <a:effectRef idx="0">
+            <a:schemeClr val="accent1"/>
+          </a:effectRef>
+          <a:fontRef idx="minor">
+            <a:schemeClr val="lt1"/>
+          </a:fontRef>
+        </p:style>
+        <p:txBody>
+          <a:bodyPr rtlCol="0" anchor="ctr"/>
+          <a:lstStyle/>
+          <a:p>
+            <a:pPr algn="ctr"/>
+            <a:r>
+              <a:rPr lang="fr-FR" sz="900" dirty="0"/>
+              <a:t>MOT1_EN</a:t>
+            </a:r>
+          </a:p>
+        </p:txBody>
+      </p:sp>
+      <p:sp>
+        <p:nvSpPr>
+          <p:cNvPr id="23" name="Rectangle : coins arrondis 22">
+            <a:extLst>
+              <a:ext uri="{FF2B5EF4-FFF2-40B4-BE49-F238E27FC236}">
+                <a16:creationId xmlns:a16="http://schemas.microsoft.com/office/drawing/2014/main" id="{798E9ED5-D7E3-2793-A2D8-8784A0E37DF0}"/>
+              </a:ext>
+            </a:extLst>
+          </p:cNvPr>
+          <p:cNvSpPr/>
+          <p:nvPr/>
+        </p:nvSpPr>
+        <p:spPr>
+          <a:xfrm>
+            <a:off x="10233179" y="4932403"/>
+            <a:ext cx="854593" cy="148656"/>
+          </a:xfrm>
+          <a:prstGeom prst="roundRect">
+            <a:avLst/>
+          </a:prstGeom>
+          <a:solidFill>
+            <a:schemeClr val="accent2"/>
+          </a:solidFill>
+        </p:spPr>
+        <p:style>
+          <a:lnRef idx="2">
+            <a:schemeClr val="accent1">
+              <a:shade val="50000"/>
+            </a:schemeClr>
+          </a:lnRef>
+          <a:fillRef idx="1">
+            <a:schemeClr val="accent1"/>
+          </a:fillRef>
+          <a:effectRef idx="0">
+            <a:schemeClr val="accent1"/>
+          </a:effectRef>
+          <a:fontRef idx="minor">
+            <a:schemeClr val="lt1"/>
+          </a:fontRef>
+        </p:style>
+        <p:txBody>
+          <a:bodyPr rtlCol="0" anchor="ctr"/>
+          <a:lstStyle/>
+          <a:p>
+            <a:pPr algn="ctr"/>
+            <a:r>
+              <a:rPr lang="fr-FR" sz="900" dirty="0"/>
+              <a:t>MOT1_CFG1</a:t>
+            </a:r>
+          </a:p>
+        </p:txBody>
+      </p:sp>
+      <p:sp>
+        <p:nvSpPr>
+          <p:cNvPr id="39" name="Rectangle : coins arrondis 38">
+            <a:extLst>
+              <a:ext uri="{FF2B5EF4-FFF2-40B4-BE49-F238E27FC236}">
+                <a16:creationId xmlns:a16="http://schemas.microsoft.com/office/drawing/2014/main" id="{B4EDA0CF-7830-4CB3-4213-3B000C7B2F91}"/>
+              </a:ext>
+            </a:extLst>
+          </p:cNvPr>
+          <p:cNvSpPr/>
+          <p:nvPr/>
+        </p:nvSpPr>
+        <p:spPr>
+          <a:xfrm>
+            <a:off x="10233179" y="4733277"/>
+            <a:ext cx="854593" cy="148656"/>
+          </a:xfrm>
+          <a:prstGeom prst="roundRect">
+            <a:avLst/>
+          </a:prstGeom>
+          <a:solidFill>
+            <a:schemeClr val="accent2"/>
+          </a:solidFill>
+        </p:spPr>
+        <p:style>
+          <a:lnRef idx="2">
+            <a:schemeClr val="accent1">
+              <a:shade val="50000"/>
+            </a:schemeClr>
+          </a:lnRef>
+          <a:fillRef idx="1">
+            <a:schemeClr val="accent1"/>
+          </a:fillRef>
+          <a:effectRef idx="0">
+            <a:schemeClr val="accent1"/>
+          </a:effectRef>
+          <a:fontRef idx="minor">
+            <a:schemeClr val="lt1"/>
+          </a:fontRef>
+        </p:style>
+        <p:txBody>
+          <a:bodyPr rtlCol="0" anchor="ctr"/>
+          <a:lstStyle/>
+          <a:p>
+            <a:pPr algn="ctr"/>
+            <a:r>
+              <a:rPr lang="fr-FR" sz="900" dirty="0"/>
+              <a:t>MOT1_CFG2</a:t>
+            </a:r>
+          </a:p>
+        </p:txBody>
+      </p:sp>
+      <p:sp>
+        <p:nvSpPr>
+          <p:cNvPr id="56" name="Rectangle : coins arrondis 55">
+            <a:extLst>
+              <a:ext uri="{FF2B5EF4-FFF2-40B4-BE49-F238E27FC236}">
+                <a16:creationId xmlns:a16="http://schemas.microsoft.com/office/drawing/2014/main" id="{0A34C0DB-646B-3DEA-036F-9EB23D62B2E4}"/>
+              </a:ext>
+            </a:extLst>
+          </p:cNvPr>
+          <p:cNvSpPr/>
+          <p:nvPr/>
+        </p:nvSpPr>
+        <p:spPr>
+          <a:xfrm>
+            <a:off x="10236492" y="4553628"/>
+            <a:ext cx="854593" cy="148656"/>
+          </a:xfrm>
+          <a:prstGeom prst="roundRect">
+            <a:avLst/>
+          </a:prstGeom>
+          <a:solidFill>
+            <a:schemeClr val="accent2"/>
+          </a:solidFill>
+        </p:spPr>
+        <p:style>
+          <a:lnRef idx="2">
+            <a:schemeClr val="accent1">
+              <a:shade val="50000"/>
+            </a:schemeClr>
+          </a:lnRef>
+          <a:fillRef idx="1">
+            <a:schemeClr val="accent1"/>
+          </a:fillRef>
+          <a:effectRef idx="0">
+            <a:schemeClr val="accent1"/>
+          </a:effectRef>
+          <a:fontRef idx="minor">
+            <a:schemeClr val="lt1"/>
+          </a:fontRef>
+        </p:style>
+        <p:txBody>
+          <a:bodyPr rtlCol="0" anchor="ctr"/>
+          <a:lstStyle/>
+          <a:p>
+            <a:pPr algn="ctr"/>
+            <a:r>
+              <a:rPr lang="fr-FR" sz="900" dirty="0"/>
+              <a:t>MOT1_CFG3</a:t>
+            </a:r>
+          </a:p>
+        </p:txBody>
+      </p:sp>
+      <p:sp>
+        <p:nvSpPr>
+          <p:cNvPr id="64" name="Rectangle : coins arrondis 63">
+            <a:extLst>
+              <a:ext uri="{FF2B5EF4-FFF2-40B4-BE49-F238E27FC236}">
+                <a16:creationId xmlns:a16="http://schemas.microsoft.com/office/drawing/2014/main" id="{FAB511FA-E123-1F1D-4D00-AF1C3FB0D901}"/>
+              </a:ext>
+            </a:extLst>
+          </p:cNvPr>
+          <p:cNvSpPr/>
+          <p:nvPr/>
+        </p:nvSpPr>
+        <p:spPr>
+          <a:xfrm>
+            <a:off x="10228527" y="5514902"/>
+            <a:ext cx="854593" cy="148656"/>
+          </a:xfrm>
+          <a:prstGeom prst="roundRect">
+            <a:avLst/>
+          </a:prstGeom>
+          <a:solidFill>
+            <a:srgbClr val="ED7D31"/>
+          </a:solidFill>
+        </p:spPr>
+        <p:style>
+          <a:lnRef idx="2">
+            <a:schemeClr val="accent1">
+              <a:shade val="50000"/>
+            </a:schemeClr>
+          </a:lnRef>
+          <a:fillRef idx="1">
+            <a:schemeClr val="accent1"/>
+          </a:fillRef>
+          <a:effectRef idx="0">
+            <a:schemeClr val="accent1"/>
+          </a:effectRef>
+          <a:fontRef idx="minor">
+            <a:schemeClr val="lt1"/>
+          </a:fontRef>
+        </p:style>
+        <p:txBody>
+          <a:bodyPr rtlCol="0" anchor="ctr"/>
+          <a:lstStyle/>
+          <a:p>
+            <a:pPr algn="ctr"/>
+            <a:r>
+              <a:rPr lang="fr-FR" sz="900" dirty="0"/>
+              <a:t>MOT1_STEP</a:t>
+            </a:r>
+          </a:p>
+        </p:txBody>
+      </p:sp>
+      <p:sp>
+        <p:nvSpPr>
+          <p:cNvPr id="65" name="Rectangle : coins arrondis 64">
+            <a:extLst>
+              <a:ext uri="{FF2B5EF4-FFF2-40B4-BE49-F238E27FC236}">
+                <a16:creationId xmlns:a16="http://schemas.microsoft.com/office/drawing/2014/main" id="{408B05E2-592E-A3C0-A068-64EF32AA1E0D}"/>
+              </a:ext>
+            </a:extLst>
+          </p:cNvPr>
+          <p:cNvSpPr/>
+          <p:nvPr/>
+        </p:nvSpPr>
+        <p:spPr>
+          <a:xfrm>
+            <a:off x="7081980" y="5132175"/>
+            <a:ext cx="854593" cy="148656"/>
+          </a:xfrm>
+          <a:prstGeom prst="roundRect">
+            <a:avLst/>
+          </a:prstGeom>
+          <a:solidFill>
+            <a:schemeClr val="accent2"/>
+          </a:solidFill>
+        </p:spPr>
+        <p:style>
+          <a:lnRef idx="2">
+            <a:schemeClr val="accent1">
+              <a:shade val="50000"/>
+            </a:schemeClr>
+          </a:lnRef>
+          <a:fillRef idx="1">
+            <a:schemeClr val="accent1"/>
+          </a:fillRef>
+          <a:effectRef idx="0">
+            <a:schemeClr val="accent1"/>
+          </a:effectRef>
+          <a:fontRef idx="minor">
+            <a:schemeClr val="lt1"/>
+          </a:fontRef>
+        </p:style>
+        <p:txBody>
+          <a:bodyPr rtlCol="0" anchor="ctr"/>
+          <a:lstStyle/>
+          <a:p>
+            <a:pPr algn="ctr"/>
+            <a:r>
+              <a:rPr lang="fr-FR" sz="900" dirty="0"/>
+              <a:t>MOT2_DIR</a:t>
+            </a:r>
+          </a:p>
+        </p:txBody>
+      </p:sp>
+      <p:sp>
+        <p:nvSpPr>
+          <p:cNvPr id="66" name="Rectangle : coins arrondis 65">
+            <a:extLst>
+              <a:ext uri="{FF2B5EF4-FFF2-40B4-BE49-F238E27FC236}">
+                <a16:creationId xmlns:a16="http://schemas.microsoft.com/office/drawing/2014/main" id="{1A0DDE5E-9282-9D13-F35F-30C5AFFF7A49}"/>
+              </a:ext>
+            </a:extLst>
+          </p:cNvPr>
+          <p:cNvSpPr/>
+          <p:nvPr/>
+        </p:nvSpPr>
+        <p:spPr>
+          <a:xfrm>
+            <a:off x="7088423" y="4949116"/>
+            <a:ext cx="854593" cy="148656"/>
+          </a:xfrm>
+          <a:prstGeom prst="roundRect">
+            <a:avLst/>
+          </a:prstGeom>
+          <a:solidFill>
+            <a:schemeClr val="accent2"/>
+          </a:solidFill>
+        </p:spPr>
+        <p:style>
+          <a:lnRef idx="2">
+            <a:schemeClr val="accent1">
+              <a:shade val="50000"/>
+            </a:schemeClr>
+          </a:lnRef>
+          <a:fillRef idx="1">
+            <a:schemeClr val="accent1"/>
+          </a:fillRef>
+          <a:effectRef idx="0">
+            <a:schemeClr val="accent1"/>
+          </a:effectRef>
+          <a:fontRef idx="minor">
+            <a:schemeClr val="lt1"/>
+          </a:fontRef>
+        </p:style>
+        <p:txBody>
+          <a:bodyPr rtlCol="0" anchor="ctr"/>
+          <a:lstStyle/>
+          <a:p>
+            <a:pPr algn="ctr"/>
+            <a:r>
+              <a:rPr lang="fr-FR" sz="900" dirty="0"/>
+              <a:t>MOT2_STEP</a:t>
+            </a:r>
+          </a:p>
+        </p:txBody>
+      </p:sp>
+      <p:sp>
+        <p:nvSpPr>
+          <p:cNvPr id="73" name="Rectangle : coins arrondis 72">
+            <a:extLst>
+              <a:ext uri="{FF2B5EF4-FFF2-40B4-BE49-F238E27FC236}">
+                <a16:creationId xmlns:a16="http://schemas.microsoft.com/office/drawing/2014/main" id="{D8775532-D331-86F6-55A2-7AEB4FBCE017}"/>
+              </a:ext>
+            </a:extLst>
+          </p:cNvPr>
+          <p:cNvSpPr/>
+          <p:nvPr/>
+        </p:nvSpPr>
+        <p:spPr>
+          <a:xfrm>
+            <a:off x="7070165" y="4751934"/>
+            <a:ext cx="854593" cy="148656"/>
+          </a:xfrm>
+          <a:prstGeom prst="roundRect">
+            <a:avLst/>
+          </a:prstGeom>
+          <a:solidFill>
+            <a:schemeClr val="accent2"/>
+          </a:solidFill>
+        </p:spPr>
+        <p:style>
+          <a:lnRef idx="2">
+            <a:schemeClr val="accent1">
+              <a:shade val="50000"/>
+            </a:schemeClr>
+          </a:lnRef>
+          <a:fillRef idx="1">
+            <a:schemeClr val="accent1"/>
+          </a:fillRef>
+          <a:effectRef idx="0">
+            <a:schemeClr val="accent1"/>
+          </a:effectRef>
+          <a:fontRef idx="minor">
+            <a:schemeClr val="lt1"/>
+          </a:fontRef>
+        </p:style>
+        <p:txBody>
+          <a:bodyPr rtlCol="0" anchor="ctr"/>
+          <a:lstStyle/>
+          <a:p>
+            <a:pPr algn="ctr"/>
+            <a:r>
+              <a:rPr lang="fr-FR" sz="900" dirty="0"/>
+              <a:t>MOT2_EN</a:t>
+            </a:r>
+          </a:p>
+        </p:txBody>
+      </p:sp>
+      <p:sp>
+        <p:nvSpPr>
+          <p:cNvPr id="4" name="ZoneTexte 3">
+            <a:extLst>
+              <a:ext uri="{FF2B5EF4-FFF2-40B4-BE49-F238E27FC236}">
+                <a16:creationId xmlns:a16="http://schemas.microsoft.com/office/drawing/2014/main" id="{132FF0AC-651E-9B92-7C5F-8161827263F0}"/>
               </a:ext>
             </a:extLst>
           </p:cNvPr>
@@ -9110,7 +10476,7 @@
         <p:spPr>
           <a:xfrm>
             <a:off x="262934" y="173327"/>
-            <a:ext cx="4175951" cy="523220"/>
+            <a:ext cx="4053546" cy="523220"/>
           </a:xfrm>
           <a:prstGeom prst="rect">
             <a:avLst/>
@@ -9125,11 +10491,15 @@
           <a:p>
             <a:r>
               <a:rPr lang="fr-FR" sz="2800" b="1" dirty="0"/>
-              <a:t>Vision Industrielle / </a:t>
+              <a:t>Computer Vision / </a:t>
             </a:r>
             <a:r>
               <a:rPr lang="fr-FR" b="1" dirty="0"/>
-              <a:t>carte L476</a:t>
+              <a:t>L476 </a:t>
+            </a:r>
+            <a:r>
+              <a:rPr lang="fr-FR" b="1" dirty="0" err="1"/>
+              <a:t>board</a:t>
             </a:r>
             <a:endParaRPr lang="fr-FR" sz="2800" b="1" dirty="0"/>
           </a:p>
@@ -9137,10 +10507,10 @@
       </p:sp>
       <p:sp>
         <p:nvSpPr>
-          <p:cNvPr id="3" name="ZoneTexte 2">
-            <a:extLst>
-              <a:ext uri="{FF2B5EF4-FFF2-40B4-BE49-F238E27FC236}">
-                <a16:creationId xmlns:a16="http://schemas.microsoft.com/office/drawing/2014/main" id="{3CBBEC91-DA97-192B-12E4-4C5910BFE9AA}"/>
+          <p:cNvPr id="12" name="ZoneTexte 11">
+            <a:extLst>
+              <a:ext uri="{FF2B5EF4-FFF2-40B4-BE49-F238E27FC236}">
+                <a16:creationId xmlns:a16="http://schemas.microsoft.com/office/drawing/2014/main" id="{2FDF1E6C-CAFD-3230-021A-44CDDBC57002}"/>
               </a:ext>
             </a:extLst>
           </p:cNvPr>
@@ -9150,7 +10520,7 @@
         <p:spPr>
           <a:xfrm>
             <a:off x="262934" y="754727"/>
-            <a:ext cx="7446077" cy="369332"/>
+            <a:ext cx="5008102" cy="369332"/>
           </a:xfrm>
           <a:prstGeom prst="rect">
             <a:avLst/>
@@ -9169,7 +10539,23 @@
                   <a:srgbClr val="002060"/>
                 </a:solidFill>
               </a:rPr>
-              <a:t>Pilotage banc de vision industrielle / Convoyeur </a:t>
+              <a:t>Control of computer vision </a:t>
+            </a:r>
+            <a:r>
+              <a:rPr lang="fr-FR" dirty="0" err="1">
+                <a:solidFill>
+                  <a:srgbClr val="002060"/>
+                </a:solidFill>
+              </a:rPr>
+              <a:t>bench</a:t>
+            </a:r>
+            <a:r>
+              <a:rPr lang="fr-FR" dirty="0">
+                <a:solidFill>
+                  <a:srgbClr val="002060"/>
+                </a:solidFill>
+              </a:rPr>
+              <a:t> / </a:t>
             </a:r>
             <a:r>
               <a:rPr lang="fr-FR" dirty="0" err="1">
@@ -9185,1206 +10571,21 @@
                   <a:srgbClr val="002060"/>
                 </a:solidFill>
               </a:rPr>
-              <a:t> / Table Traçante 2 axes</a:t>
-            </a:r>
-          </a:p>
-        </p:txBody>
-      </p:sp>
-      <p:sp>
-        <p:nvSpPr>
-          <p:cNvPr id="5" name="Rectangle : coins arrondis 4">
-            <a:extLst>
-              <a:ext uri="{FF2B5EF4-FFF2-40B4-BE49-F238E27FC236}">
-                <a16:creationId xmlns:a16="http://schemas.microsoft.com/office/drawing/2014/main" id="{CE53F7D5-6F33-C516-157E-BE2505A96506}"/>
-              </a:ext>
-            </a:extLst>
-          </p:cNvPr>
-          <p:cNvSpPr/>
-          <p:nvPr/>
-        </p:nvSpPr>
-        <p:spPr>
-          <a:xfrm>
-            <a:off x="2248543" y="4760412"/>
-            <a:ext cx="854593" cy="148656"/>
-          </a:xfrm>
-          <a:prstGeom prst="roundRect">
-            <a:avLst/>
-          </a:prstGeom>
-          <a:solidFill>
-            <a:schemeClr val="accent1"/>
-          </a:solidFill>
-        </p:spPr>
-        <p:style>
-          <a:lnRef idx="2">
-            <a:schemeClr val="accent1">
-              <a:shade val="50000"/>
-            </a:schemeClr>
-          </a:lnRef>
-          <a:fillRef idx="1">
-            <a:schemeClr val="accent1"/>
-          </a:fillRef>
-          <a:effectRef idx="0">
-            <a:schemeClr val="accent1"/>
-          </a:effectRef>
-          <a:fontRef idx="minor">
-            <a:schemeClr val="lt1"/>
-          </a:fontRef>
-        </p:style>
-        <p:txBody>
-          <a:bodyPr rtlCol="0" anchor="ctr"/>
-          <a:lstStyle/>
-          <a:p>
-            <a:pPr algn="ctr"/>
-            <a:r>
-              <a:rPr lang="fr-FR" sz="900" dirty="0"/>
-              <a:t>CAPT 1</a:t>
-            </a:r>
-          </a:p>
-        </p:txBody>
-      </p:sp>
-      <p:sp>
-        <p:nvSpPr>
-          <p:cNvPr id="6" name="Rectangle : coins arrondis 5">
-            <a:extLst>
-              <a:ext uri="{FF2B5EF4-FFF2-40B4-BE49-F238E27FC236}">
-                <a16:creationId xmlns:a16="http://schemas.microsoft.com/office/drawing/2014/main" id="{FF17B0D0-845E-2D23-3EE6-1622D2C1FB1A}"/>
-              </a:ext>
-            </a:extLst>
-          </p:cNvPr>
-          <p:cNvSpPr/>
-          <p:nvPr/>
-        </p:nvSpPr>
-        <p:spPr>
-          <a:xfrm>
-            <a:off x="2248543" y="4955810"/>
-            <a:ext cx="854593" cy="148656"/>
-          </a:xfrm>
-          <a:prstGeom prst="roundRect">
-            <a:avLst/>
-          </a:prstGeom>
-          <a:solidFill>
-            <a:schemeClr val="accent1"/>
-          </a:solidFill>
-        </p:spPr>
-        <p:style>
-          <a:lnRef idx="2">
-            <a:schemeClr val="accent1">
-              <a:shade val="50000"/>
-            </a:schemeClr>
-          </a:lnRef>
-          <a:fillRef idx="1">
-            <a:schemeClr val="accent1"/>
-          </a:fillRef>
-          <a:effectRef idx="0">
-            <a:schemeClr val="accent1"/>
-          </a:effectRef>
-          <a:fontRef idx="minor">
-            <a:schemeClr val="lt1"/>
-          </a:fontRef>
-        </p:style>
-        <p:txBody>
-          <a:bodyPr rtlCol="0" anchor="ctr"/>
-          <a:lstStyle/>
-          <a:p>
-            <a:pPr algn="ctr"/>
-            <a:r>
-              <a:rPr lang="fr-FR" sz="900" dirty="0"/>
-              <a:t>CAPT 2</a:t>
-            </a:r>
-          </a:p>
-        </p:txBody>
-      </p:sp>
-      <p:sp>
-        <p:nvSpPr>
-          <p:cNvPr id="7" name="Rectangle : coins arrondis 6">
-            <a:extLst>
-              <a:ext uri="{FF2B5EF4-FFF2-40B4-BE49-F238E27FC236}">
-                <a16:creationId xmlns:a16="http://schemas.microsoft.com/office/drawing/2014/main" id="{3779FA99-38DC-EEB7-BB38-543683BA31E9}"/>
-              </a:ext>
-            </a:extLst>
-          </p:cNvPr>
-          <p:cNvSpPr/>
-          <p:nvPr/>
-        </p:nvSpPr>
-        <p:spPr>
-          <a:xfrm>
-            <a:off x="2248543" y="5156415"/>
-            <a:ext cx="854593" cy="148656"/>
-          </a:xfrm>
-          <a:prstGeom prst="roundRect">
-            <a:avLst/>
-          </a:prstGeom>
-          <a:solidFill>
-            <a:schemeClr val="accent1"/>
-          </a:solidFill>
-        </p:spPr>
-        <p:style>
-          <a:lnRef idx="2">
-            <a:schemeClr val="accent1">
-              <a:shade val="50000"/>
-            </a:schemeClr>
-          </a:lnRef>
-          <a:fillRef idx="1">
-            <a:schemeClr val="accent1"/>
-          </a:fillRef>
-          <a:effectRef idx="0">
-            <a:schemeClr val="accent1"/>
-          </a:effectRef>
-          <a:fontRef idx="minor">
-            <a:schemeClr val="lt1"/>
-          </a:fontRef>
-        </p:style>
-        <p:txBody>
-          <a:bodyPr rtlCol="0" anchor="ctr"/>
-          <a:lstStyle/>
-          <a:p>
-            <a:pPr algn="ctr"/>
-            <a:r>
-              <a:rPr lang="fr-FR" sz="900" dirty="0"/>
-              <a:t>CAPT 3</a:t>
-            </a:r>
-          </a:p>
-        </p:txBody>
-      </p:sp>
-      <p:sp>
-        <p:nvSpPr>
-          <p:cNvPr id="8" name="Rectangle : coins arrondis 7">
-            <a:extLst>
-              <a:ext uri="{FF2B5EF4-FFF2-40B4-BE49-F238E27FC236}">
-                <a16:creationId xmlns:a16="http://schemas.microsoft.com/office/drawing/2014/main" id="{CAA465F4-6F9E-8A6E-6AE0-CFB59F507CA1}"/>
-              </a:ext>
-            </a:extLst>
-          </p:cNvPr>
-          <p:cNvSpPr/>
-          <p:nvPr/>
-        </p:nvSpPr>
-        <p:spPr>
-          <a:xfrm>
-            <a:off x="2248543" y="5346801"/>
-            <a:ext cx="854593" cy="148656"/>
-          </a:xfrm>
-          <a:prstGeom prst="roundRect">
-            <a:avLst/>
-          </a:prstGeom>
-          <a:solidFill>
-            <a:srgbClr val="ED7D31"/>
-          </a:solidFill>
-        </p:spPr>
-        <p:style>
-          <a:lnRef idx="2">
-            <a:schemeClr val="accent1">
-              <a:shade val="50000"/>
-            </a:schemeClr>
-          </a:lnRef>
-          <a:fillRef idx="1">
-            <a:schemeClr val="accent1"/>
-          </a:fillRef>
-          <a:effectRef idx="0">
-            <a:schemeClr val="accent1"/>
-          </a:effectRef>
-          <a:fontRef idx="minor">
-            <a:schemeClr val="lt1"/>
-          </a:fontRef>
-        </p:style>
-        <p:txBody>
-          <a:bodyPr rtlCol="0" anchor="ctr"/>
-          <a:lstStyle/>
-          <a:p>
-            <a:pPr algn="ctr"/>
-            <a:r>
-              <a:rPr lang="fr-FR" sz="900" dirty="0"/>
-              <a:t>ECLAIR 3</a:t>
-            </a:r>
-          </a:p>
-        </p:txBody>
-      </p:sp>
-      <p:sp>
-        <p:nvSpPr>
-          <p:cNvPr id="9" name="Rectangle : coins arrondis 8">
-            <a:extLst>
-              <a:ext uri="{FF2B5EF4-FFF2-40B4-BE49-F238E27FC236}">
-                <a16:creationId xmlns:a16="http://schemas.microsoft.com/office/drawing/2014/main" id="{2546E7F2-17DF-30D0-28D1-41B323197273}"/>
-              </a:ext>
-            </a:extLst>
-          </p:cNvPr>
-          <p:cNvSpPr/>
-          <p:nvPr/>
-        </p:nvSpPr>
-        <p:spPr>
-          <a:xfrm>
-            <a:off x="2255245" y="5734342"/>
-            <a:ext cx="854593" cy="148656"/>
-          </a:xfrm>
-          <a:prstGeom prst="roundRect">
-            <a:avLst/>
-          </a:prstGeom>
-          <a:solidFill>
-            <a:srgbClr val="ED7D31"/>
-          </a:solidFill>
-        </p:spPr>
-        <p:style>
-          <a:lnRef idx="2">
-            <a:schemeClr val="accent1">
-              <a:shade val="50000"/>
-            </a:schemeClr>
-          </a:lnRef>
-          <a:fillRef idx="1">
-            <a:schemeClr val="accent1"/>
-          </a:fillRef>
-          <a:effectRef idx="0">
-            <a:schemeClr val="accent1"/>
-          </a:effectRef>
-          <a:fontRef idx="minor">
-            <a:schemeClr val="lt1"/>
-          </a:fontRef>
-        </p:style>
-        <p:txBody>
-          <a:bodyPr rtlCol="0" anchor="ctr"/>
-          <a:lstStyle/>
-          <a:p>
-            <a:pPr algn="ctr"/>
-            <a:r>
-              <a:rPr lang="fr-FR" sz="900" dirty="0"/>
-              <a:t>ECLAIR 2</a:t>
-            </a:r>
-          </a:p>
-        </p:txBody>
-      </p:sp>
-      <p:sp>
-        <p:nvSpPr>
-          <p:cNvPr id="10" name="Rectangle : coins arrondis 9">
-            <a:extLst>
-              <a:ext uri="{FF2B5EF4-FFF2-40B4-BE49-F238E27FC236}">
-                <a16:creationId xmlns:a16="http://schemas.microsoft.com/office/drawing/2014/main" id="{4D8E3256-2D44-5069-FD92-7700663E3FF4}"/>
-              </a:ext>
-            </a:extLst>
-          </p:cNvPr>
-          <p:cNvSpPr/>
-          <p:nvPr/>
-        </p:nvSpPr>
-        <p:spPr>
-          <a:xfrm>
-            <a:off x="2255245" y="5920269"/>
-            <a:ext cx="854593" cy="148656"/>
-          </a:xfrm>
-          <a:prstGeom prst="roundRect">
-            <a:avLst/>
-          </a:prstGeom>
-          <a:solidFill>
-            <a:srgbClr val="ED7D31"/>
-          </a:solidFill>
-        </p:spPr>
-        <p:style>
-          <a:lnRef idx="2">
-            <a:schemeClr val="accent1">
-              <a:shade val="50000"/>
-            </a:schemeClr>
-          </a:lnRef>
-          <a:fillRef idx="1">
-            <a:schemeClr val="accent1"/>
-          </a:fillRef>
-          <a:effectRef idx="0">
-            <a:schemeClr val="accent1"/>
-          </a:effectRef>
-          <a:fontRef idx="minor">
-            <a:schemeClr val="lt1"/>
-          </a:fontRef>
-        </p:style>
-        <p:txBody>
-          <a:bodyPr rtlCol="0" anchor="ctr"/>
-          <a:lstStyle/>
-          <a:p>
-            <a:pPr algn="ctr"/>
-            <a:r>
-              <a:rPr lang="fr-FR" sz="900" dirty="0"/>
-              <a:t>ECLAIR 1</a:t>
-            </a:r>
-          </a:p>
-        </p:txBody>
-      </p:sp>
-      <p:sp>
-        <p:nvSpPr>
-          <p:cNvPr id="11" name="Rectangle : coins arrondis 10">
-            <a:extLst>
-              <a:ext uri="{FF2B5EF4-FFF2-40B4-BE49-F238E27FC236}">
-                <a16:creationId xmlns:a16="http://schemas.microsoft.com/office/drawing/2014/main" id="{F09A2F56-7E8C-12DA-434D-0F087CD45BE8}"/>
-              </a:ext>
-            </a:extLst>
-          </p:cNvPr>
-          <p:cNvSpPr/>
-          <p:nvPr/>
-        </p:nvSpPr>
-        <p:spPr>
-          <a:xfrm>
-            <a:off x="1892961" y="6419748"/>
-            <a:ext cx="1579160" cy="210983"/>
-          </a:xfrm>
-          <a:prstGeom prst="roundRect">
-            <a:avLst/>
-          </a:prstGeom>
-          <a:solidFill>
-            <a:schemeClr val="accent4">
-              <a:lumMod val="50000"/>
-            </a:schemeClr>
-          </a:solidFill>
-        </p:spPr>
-        <p:style>
-          <a:lnRef idx="2">
-            <a:schemeClr val="accent1">
-              <a:shade val="50000"/>
-            </a:schemeClr>
-          </a:lnRef>
-          <a:fillRef idx="1">
-            <a:schemeClr val="accent1"/>
-          </a:fillRef>
-          <a:effectRef idx="0">
-            <a:schemeClr val="accent1"/>
-          </a:effectRef>
-          <a:fontRef idx="minor">
-            <a:schemeClr val="lt1"/>
-          </a:fontRef>
-        </p:style>
-        <p:txBody>
-          <a:bodyPr rtlCol="0" anchor="ctr"/>
-          <a:lstStyle/>
-          <a:p>
-            <a:pPr algn="ctr"/>
-            <a:r>
-              <a:rPr lang="fr-FR" sz="1000" dirty="0"/>
-              <a:t>Sortie Analogique</a:t>
-            </a:r>
-          </a:p>
-        </p:txBody>
-      </p:sp>
-      <p:sp>
-        <p:nvSpPr>
-          <p:cNvPr id="13" name="Rectangle : coins arrondis 12">
-            <a:extLst>
-              <a:ext uri="{FF2B5EF4-FFF2-40B4-BE49-F238E27FC236}">
-                <a16:creationId xmlns:a16="http://schemas.microsoft.com/office/drawing/2014/main" id="{CEE750A7-161C-4D40-F723-686BF6DCB186}"/>
-              </a:ext>
-            </a:extLst>
-          </p:cNvPr>
-          <p:cNvSpPr/>
-          <p:nvPr/>
-        </p:nvSpPr>
-        <p:spPr>
-          <a:xfrm>
-            <a:off x="5430471" y="5341995"/>
-            <a:ext cx="854593" cy="148656"/>
-          </a:xfrm>
-          <a:prstGeom prst="roundRect">
-            <a:avLst/>
-          </a:prstGeom>
-          <a:solidFill>
-            <a:srgbClr val="70AD47"/>
-          </a:solidFill>
-        </p:spPr>
-        <p:style>
-          <a:lnRef idx="2">
-            <a:schemeClr val="accent1">
-              <a:shade val="50000"/>
-            </a:schemeClr>
-          </a:lnRef>
-          <a:fillRef idx="1">
-            <a:schemeClr val="accent1"/>
-          </a:fillRef>
-          <a:effectRef idx="0">
-            <a:schemeClr val="accent1"/>
-          </a:effectRef>
-          <a:fontRef idx="minor">
-            <a:schemeClr val="lt1"/>
-          </a:fontRef>
-        </p:style>
-        <p:txBody>
-          <a:bodyPr rtlCol="0" anchor="ctr"/>
-          <a:lstStyle/>
-          <a:p>
-            <a:pPr algn="ctr"/>
-            <a:r>
-              <a:rPr lang="fr-FR" sz="900" dirty="0"/>
-              <a:t>V_OUT_REF</a:t>
-            </a:r>
-          </a:p>
-        </p:txBody>
-      </p:sp>
-      <p:sp>
-        <p:nvSpPr>
-          <p:cNvPr id="14" name="Rectangle : coins arrondis 13">
-            <a:extLst>
-              <a:ext uri="{FF2B5EF4-FFF2-40B4-BE49-F238E27FC236}">
-                <a16:creationId xmlns:a16="http://schemas.microsoft.com/office/drawing/2014/main" id="{F03BC849-77B2-E17C-B172-905C923B2CF6}"/>
-              </a:ext>
-            </a:extLst>
-          </p:cNvPr>
-          <p:cNvSpPr/>
-          <p:nvPr/>
-        </p:nvSpPr>
-        <p:spPr>
-          <a:xfrm>
-            <a:off x="10233179" y="2426548"/>
-            <a:ext cx="854593" cy="148656"/>
-          </a:xfrm>
-          <a:prstGeom prst="roundRect">
-            <a:avLst/>
-          </a:prstGeom>
-          <a:solidFill>
-            <a:srgbClr val="ED7D31"/>
-          </a:solidFill>
-        </p:spPr>
-        <p:style>
-          <a:lnRef idx="2">
-            <a:schemeClr val="accent1">
-              <a:shade val="50000"/>
-            </a:schemeClr>
-          </a:lnRef>
-          <a:fillRef idx="1">
-            <a:schemeClr val="accent1"/>
-          </a:fillRef>
-          <a:effectRef idx="0">
-            <a:schemeClr val="accent1"/>
-          </a:effectRef>
-          <a:fontRef idx="minor">
-            <a:schemeClr val="lt1"/>
-          </a:fontRef>
-        </p:style>
-        <p:txBody>
-          <a:bodyPr rtlCol="0" anchor="ctr"/>
-          <a:lstStyle/>
-          <a:p>
-            <a:pPr algn="ctr"/>
-            <a:r>
-              <a:rPr lang="fr-FR" sz="900" dirty="0"/>
-              <a:t>POUSS. 2</a:t>
-            </a:r>
-          </a:p>
-        </p:txBody>
-      </p:sp>
-      <p:sp>
-        <p:nvSpPr>
-          <p:cNvPr id="15" name="Rectangle : coins arrondis 14">
-            <a:extLst>
-              <a:ext uri="{FF2B5EF4-FFF2-40B4-BE49-F238E27FC236}">
-                <a16:creationId xmlns:a16="http://schemas.microsoft.com/office/drawing/2014/main" id="{31F78F7B-12B8-EB0E-7421-C05E2E66D200}"/>
-              </a:ext>
-            </a:extLst>
-          </p:cNvPr>
-          <p:cNvSpPr/>
-          <p:nvPr/>
-        </p:nvSpPr>
-        <p:spPr>
-          <a:xfrm>
-            <a:off x="7086737" y="2426668"/>
-            <a:ext cx="854593" cy="148656"/>
-          </a:xfrm>
-          <a:prstGeom prst="roundRect">
-            <a:avLst/>
-          </a:prstGeom>
-          <a:solidFill>
-            <a:srgbClr val="ED7D31"/>
-          </a:solidFill>
-        </p:spPr>
-        <p:style>
-          <a:lnRef idx="2">
-            <a:schemeClr val="accent1">
-              <a:shade val="50000"/>
-            </a:schemeClr>
-          </a:lnRef>
-          <a:fillRef idx="1">
-            <a:schemeClr val="accent1"/>
-          </a:fillRef>
-          <a:effectRef idx="0">
-            <a:schemeClr val="accent1"/>
-          </a:effectRef>
-          <a:fontRef idx="minor">
-            <a:schemeClr val="lt1"/>
-          </a:fontRef>
-        </p:style>
-        <p:txBody>
-          <a:bodyPr rtlCol="0" anchor="ctr"/>
-          <a:lstStyle/>
-          <a:p>
-            <a:pPr algn="ctr"/>
-            <a:r>
-              <a:rPr lang="fr-FR" sz="900" dirty="0"/>
-              <a:t>POUSS. 3</a:t>
-            </a:r>
-          </a:p>
-        </p:txBody>
-      </p:sp>
-      <p:sp>
-        <p:nvSpPr>
-          <p:cNvPr id="16" name="Rectangle : coins arrondis 15">
-            <a:extLst>
-              <a:ext uri="{FF2B5EF4-FFF2-40B4-BE49-F238E27FC236}">
-                <a16:creationId xmlns:a16="http://schemas.microsoft.com/office/drawing/2014/main" id="{9E58B854-8A47-2C3E-5C38-33D971939CA1}"/>
-              </a:ext>
-            </a:extLst>
-          </p:cNvPr>
-          <p:cNvSpPr/>
-          <p:nvPr/>
-        </p:nvSpPr>
-        <p:spPr>
-          <a:xfrm>
-            <a:off x="10233179" y="2618190"/>
-            <a:ext cx="854593" cy="148656"/>
-          </a:xfrm>
-          <a:prstGeom prst="roundRect">
-            <a:avLst/>
-          </a:prstGeom>
-          <a:solidFill>
-            <a:srgbClr val="ED7D31"/>
-          </a:solidFill>
-        </p:spPr>
-        <p:style>
-          <a:lnRef idx="2">
-            <a:schemeClr val="accent1">
-              <a:shade val="50000"/>
-            </a:schemeClr>
-          </a:lnRef>
-          <a:fillRef idx="1">
-            <a:schemeClr val="accent1"/>
-          </a:fillRef>
-          <a:effectRef idx="0">
-            <a:schemeClr val="accent1"/>
-          </a:effectRef>
-          <a:fontRef idx="minor">
-            <a:schemeClr val="lt1"/>
-          </a:fontRef>
-        </p:style>
-        <p:txBody>
-          <a:bodyPr rtlCol="0" anchor="ctr"/>
-          <a:lstStyle/>
-          <a:p>
-            <a:pPr algn="ctr"/>
-            <a:r>
-              <a:rPr lang="fr-FR" sz="900" dirty="0"/>
-              <a:t>POUSS. 1</a:t>
-            </a:r>
-          </a:p>
-        </p:txBody>
-      </p:sp>
-      <p:sp>
-        <p:nvSpPr>
-          <p:cNvPr id="17" name="Rectangle : coins arrondis 16">
-            <a:extLst>
-              <a:ext uri="{FF2B5EF4-FFF2-40B4-BE49-F238E27FC236}">
-                <a16:creationId xmlns:a16="http://schemas.microsoft.com/office/drawing/2014/main" id="{8060D8CA-601F-B273-875F-E1DA38473EED}"/>
-              </a:ext>
-            </a:extLst>
-          </p:cNvPr>
-          <p:cNvSpPr/>
-          <p:nvPr/>
-        </p:nvSpPr>
-        <p:spPr>
-          <a:xfrm>
-            <a:off x="10233179" y="3571911"/>
-            <a:ext cx="854593" cy="148656"/>
-          </a:xfrm>
-          <a:prstGeom prst="roundRect">
-            <a:avLst/>
-          </a:prstGeom>
-          <a:solidFill>
-            <a:srgbClr val="ED7D31"/>
-          </a:solidFill>
-        </p:spPr>
-        <p:style>
-          <a:lnRef idx="2">
-            <a:schemeClr val="accent1">
-              <a:shade val="50000"/>
-            </a:schemeClr>
-          </a:lnRef>
-          <a:fillRef idx="1">
-            <a:schemeClr val="accent1"/>
-          </a:fillRef>
-          <a:effectRef idx="0">
-            <a:schemeClr val="accent1"/>
-          </a:effectRef>
-          <a:fontRef idx="minor">
-            <a:schemeClr val="lt1"/>
-          </a:fontRef>
-        </p:style>
-        <p:txBody>
-          <a:bodyPr rtlCol="0" anchor="ctr"/>
-          <a:lstStyle/>
-          <a:p>
-            <a:pPr algn="ctr"/>
-            <a:r>
-              <a:rPr lang="fr-FR" sz="900" dirty="0"/>
-              <a:t>LED 1</a:t>
-            </a:r>
-          </a:p>
-        </p:txBody>
-      </p:sp>
-      <p:sp>
-        <p:nvSpPr>
-          <p:cNvPr id="18" name="Rectangle : coins arrondis 17">
-            <a:extLst>
-              <a:ext uri="{FF2B5EF4-FFF2-40B4-BE49-F238E27FC236}">
-                <a16:creationId xmlns:a16="http://schemas.microsoft.com/office/drawing/2014/main" id="{B09492F2-8122-EB01-B3D6-44110027D3B0}"/>
-              </a:ext>
-            </a:extLst>
-          </p:cNvPr>
-          <p:cNvSpPr/>
-          <p:nvPr/>
-        </p:nvSpPr>
-        <p:spPr>
-          <a:xfrm>
-            <a:off x="10233179" y="3962602"/>
-            <a:ext cx="854593" cy="148656"/>
-          </a:xfrm>
-          <a:prstGeom prst="roundRect">
-            <a:avLst/>
-          </a:prstGeom>
-          <a:solidFill>
-            <a:srgbClr val="ED7D31"/>
-          </a:solidFill>
-        </p:spPr>
-        <p:style>
-          <a:lnRef idx="2">
-            <a:schemeClr val="accent1">
-              <a:shade val="50000"/>
-            </a:schemeClr>
-          </a:lnRef>
-          <a:fillRef idx="1">
-            <a:schemeClr val="accent1"/>
-          </a:fillRef>
-          <a:effectRef idx="0">
-            <a:schemeClr val="accent1"/>
-          </a:effectRef>
-          <a:fontRef idx="minor">
-            <a:schemeClr val="lt1"/>
-          </a:fontRef>
-        </p:style>
-        <p:txBody>
-          <a:bodyPr rtlCol="0" anchor="ctr"/>
-          <a:lstStyle/>
-          <a:p>
-            <a:pPr algn="ctr"/>
-            <a:r>
-              <a:rPr lang="fr-FR" sz="900" dirty="0"/>
-              <a:t>LED 2</a:t>
-            </a:r>
-          </a:p>
-        </p:txBody>
-      </p:sp>
-      <p:sp>
-        <p:nvSpPr>
-          <p:cNvPr id="19" name="Rectangle : coins arrondis 18">
-            <a:extLst>
-              <a:ext uri="{FF2B5EF4-FFF2-40B4-BE49-F238E27FC236}">
-                <a16:creationId xmlns:a16="http://schemas.microsoft.com/office/drawing/2014/main" id="{26A3B39B-8685-A0DB-6B16-AE5993086DC6}"/>
-              </a:ext>
-            </a:extLst>
-          </p:cNvPr>
-          <p:cNvSpPr/>
-          <p:nvPr/>
-        </p:nvSpPr>
-        <p:spPr>
-          <a:xfrm>
-            <a:off x="7073843" y="5518169"/>
-            <a:ext cx="854593" cy="148656"/>
-          </a:xfrm>
-          <a:prstGeom prst="roundRect">
-            <a:avLst/>
-          </a:prstGeom>
-          <a:solidFill>
-            <a:schemeClr val="accent2"/>
-          </a:solidFill>
-        </p:spPr>
-        <p:style>
-          <a:lnRef idx="2">
-            <a:schemeClr val="accent1">
-              <a:shade val="50000"/>
-            </a:schemeClr>
-          </a:lnRef>
-          <a:fillRef idx="1">
-            <a:schemeClr val="accent1"/>
-          </a:fillRef>
-          <a:effectRef idx="0">
-            <a:schemeClr val="accent1"/>
-          </a:effectRef>
-          <a:fontRef idx="minor">
-            <a:schemeClr val="lt1"/>
-          </a:fontRef>
-        </p:style>
-        <p:txBody>
-          <a:bodyPr rtlCol="0" anchor="ctr"/>
-          <a:lstStyle/>
-          <a:p>
-            <a:pPr algn="ctr"/>
-            <a:r>
-              <a:rPr lang="fr-FR" sz="900" dirty="0"/>
-              <a:t>MOT1_STEP</a:t>
-            </a:r>
-          </a:p>
-        </p:txBody>
-      </p:sp>
-      <p:sp>
-        <p:nvSpPr>
-          <p:cNvPr id="20" name="Rectangle : coins arrondis 19">
-            <a:extLst>
-              <a:ext uri="{FF2B5EF4-FFF2-40B4-BE49-F238E27FC236}">
-                <a16:creationId xmlns:a16="http://schemas.microsoft.com/office/drawing/2014/main" id="{491622B6-85EA-DA8A-0962-A4D973FE975E}"/>
-              </a:ext>
-            </a:extLst>
-          </p:cNvPr>
-          <p:cNvSpPr/>
-          <p:nvPr/>
-        </p:nvSpPr>
-        <p:spPr>
-          <a:xfrm>
-            <a:off x="7088424" y="5328382"/>
-            <a:ext cx="854593" cy="148656"/>
-          </a:xfrm>
-          <a:prstGeom prst="roundRect">
-            <a:avLst/>
-          </a:prstGeom>
-          <a:solidFill>
-            <a:schemeClr val="accent2"/>
-          </a:solidFill>
-        </p:spPr>
-        <p:style>
-          <a:lnRef idx="2">
-            <a:schemeClr val="accent1">
-              <a:shade val="50000"/>
-            </a:schemeClr>
-          </a:lnRef>
-          <a:fillRef idx="1">
-            <a:schemeClr val="accent1"/>
-          </a:fillRef>
-          <a:effectRef idx="0">
-            <a:schemeClr val="accent1"/>
-          </a:effectRef>
-          <a:fontRef idx="minor">
-            <a:schemeClr val="lt1"/>
-          </a:fontRef>
-        </p:style>
-        <p:txBody>
-          <a:bodyPr rtlCol="0" anchor="ctr"/>
-          <a:lstStyle/>
-          <a:p>
-            <a:pPr algn="ctr"/>
-            <a:r>
-              <a:rPr lang="fr-FR" sz="900" dirty="0"/>
-              <a:t>MOT1_DIR</a:t>
-            </a:r>
-          </a:p>
-        </p:txBody>
-      </p:sp>
-      <p:sp>
-        <p:nvSpPr>
-          <p:cNvPr id="22" name="Rectangle : coins arrondis 21">
-            <a:extLst>
-              <a:ext uri="{FF2B5EF4-FFF2-40B4-BE49-F238E27FC236}">
-                <a16:creationId xmlns:a16="http://schemas.microsoft.com/office/drawing/2014/main" id="{37CA2E73-705F-2499-6E04-CE189CD5A854}"/>
-              </a:ext>
-            </a:extLst>
-          </p:cNvPr>
-          <p:cNvSpPr/>
-          <p:nvPr/>
-        </p:nvSpPr>
-        <p:spPr>
-          <a:xfrm>
-            <a:off x="10233179" y="5131529"/>
-            <a:ext cx="854593" cy="148656"/>
-          </a:xfrm>
-          <a:prstGeom prst="roundRect">
-            <a:avLst/>
-          </a:prstGeom>
-          <a:solidFill>
-            <a:schemeClr val="accent2"/>
-          </a:solidFill>
-        </p:spPr>
-        <p:style>
-          <a:lnRef idx="2">
-            <a:schemeClr val="accent1">
-              <a:shade val="50000"/>
-            </a:schemeClr>
-          </a:lnRef>
-          <a:fillRef idx="1">
-            <a:schemeClr val="accent1"/>
-          </a:fillRef>
-          <a:effectRef idx="0">
-            <a:schemeClr val="accent1"/>
-          </a:effectRef>
-          <a:fontRef idx="minor">
-            <a:schemeClr val="lt1"/>
-          </a:fontRef>
-        </p:style>
-        <p:txBody>
-          <a:bodyPr rtlCol="0" anchor="ctr"/>
-          <a:lstStyle/>
-          <a:p>
-            <a:pPr algn="ctr"/>
-            <a:r>
-              <a:rPr lang="fr-FR" sz="900" dirty="0"/>
-              <a:t>MOT1_EN</a:t>
-            </a:r>
-          </a:p>
-        </p:txBody>
-      </p:sp>
-      <p:sp>
-        <p:nvSpPr>
-          <p:cNvPr id="23" name="Rectangle : coins arrondis 22">
-            <a:extLst>
-              <a:ext uri="{FF2B5EF4-FFF2-40B4-BE49-F238E27FC236}">
-                <a16:creationId xmlns:a16="http://schemas.microsoft.com/office/drawing/2014/main" id="{798E9ED5-D7E3-2793-A2D8-8784A0E37DF0}"/>
-              </a:ext>
-            </a:extLst>
-          </p:cNvPr>
-          <p:cNvSpPr/>
-          <p:nvPr/>
-        </p:nvSpPr>
-        <p:spPr>
-          <a:xfrm>
-            <a:off x="10233179" y="4932403"/>
-            <a:ext cx="854593" cy="148656"/>
-          </a:xfrm>
-          <a:prstGeom prst="roundRect">
-            <a:avLst/>
-          </a:prstGeom>
-          <a:solidFill>
-            <a:schemeClr val="accent2"/>
-          </a:solidFill>
-        </p:spPr>
-        <p:style>
-          <a:lnRef idx="2">
-            <a:schemeClr val="accent1">
-              <a:shade val="50000"/>
-            </a:schemeClr>
-          </a:lnRef>
-          <a:fillRef idx="1">
-            <a:schemeClr val="accent1"/>
-          </a:fillRef>
-          <a:effectRef idx="0">
-            <a:schemeClr val="accent1"/>
-          </a:effectRef>
-          <a:fontRef idx="minor">
-            <a:schemeClr val="lt1"/>
-          </a:fontRef>
-        </p:style>
-        <p:txBody>
-          <a:bodyPr rtlCol="0" anchor="ctr"/>
-          <a:lstStyle/>
-          <a:p>
-            <a:pPr algn="ctr"/>
-            <a:r>
-              <a:rPr lang="fr-FR" sz="900" dirty="0"/>
-              <a:t>MOT1_CFG1</a:t>
-            </a:r>
-          </a:p>
-        </p:txBody>
-      </p:sp>
-      <p:sp>
-        <p:nvSpPr>
-          <p:cNvPr id="39" name="Rectangle : coins arrondis 38">
-            <a:extLst>
-              <a:ext uri="{FF2B5EF4-FFF2-40B4-BE49-F238E27FC236}">
-                <a16:creationId xmlns:a16="http://schemas.microsoft.com/office/drawing/2014/main" id="{B4EDA0CF-7830-4CB3-4213-3B000C7B2F91}"/>
-              </a:ext>
-            </a:extLst>
-          </p:cNvPr>
-          <p:cNvSpPr/>
-          <p:nvPr/>
-        </p:nvSpPr>
-        <p:spPr>
-          <a:xfrm>
-            <a:off x="10233179" y="4733277"/>
-            <a:ext cx="854593" cy="148656"/>
-          </a:xfrm>
-          <a:prstGeom prst="roundRect">
-            <a:avLst/>
-          </a:prstGeom>
-          <a:solidFill>
-            <a:schemeClr val="accent2"/>
-          </a:solidFill>
-        </p:spPr>
-        <p:style>
-          <a:lnRef idx="2">
-            <a:schemeClr val="accent1">
-              <a:shade val="50000"/>
-            </a:schemeClr>
-          </a:lnRef>
-          <a:fillRef idx="1">
-            <a:schemeClr val="accent1"/>
-          </a:fillRef>
-          <a:effectRef idx="0">
-            <a:schemeClr val="accent1"/>
-          </a:effectRef>
-          <a:fontRef idx="minor">
-            <a:schemeClr val="lt1"/>
-          </a:fontRef>
-        </p:style>
-        <p:txBody>
-          <a:bodyPr rtlCol="0" anchor="ctr"/>
-          <a:lstStyle/>
-          <a:p>
-            <a:pPr algn="ctr"/>
-            <a:r>
-              <a:rPr lang="fr-FR" sz="900" dirty="0"/>
-              <a:t>MOT1_CFG2</a:t>
-            </a:r>
-          </a:p>
-        </p:txBody>
-      </p:sp>
-      <p:sp>
-        <p:nvSpPr>
-          <p:cNvPr id="56" name="Rectangle : coins arrondis 55">
-            <a:extLst>
-              <a:ext uri="{FF2B5EF4-FFF2-40B4-BE49-F238E27FC236}">
-                <a16:creationId xmlns:a16="http://schemas.microsoft.com/office/drawing/2014/main" id="{0A34C0DB-646B-3DEA-036F-9EB23D62B2E4}"/>
-              </a:ext>
-            </a:extLst>
-          </p:cNvPr>
-          <p:cNvSpPr/>
-          <p:nvPr/>
-        </p:nvSpPr>
-        <p:spPr>
-          <a:xfrm>
-            <a:off x="10236492" y="4553628"/>
-            <a:ext cx="854593" cy="148656"/>
-          </a:xfrm>
-          <a:prstGeom prst="roundRect">
-            <a:avLst/>
-          </a:prstGeom>
-          <a:solidFill>
-            <a:schemeClr val="accent2"/>
-          </a:solidFill>
-        </p:spPr>
-        <p:style>
-          <a:lnRef idx="2">
-            <a:schemeClr val="accent1">
-              <a:shade val="50000"/>
-            </a:schemeClr>
-          </a:lnRef>
-          <a:fillRef idx="1">
-            <a:schemeClr val="accent1"/>
-          </a:fillRef>
-          <a:effectRef idx="0">
-            <a:schemeClr val="accent1"/>
-          </a:effectRef>
-          <a:fontRef idx="minor">
-            <a:schemeClr val="lt1"/>
-          </a:fontRef>
-        </p:style>
-        <p:txBody>
-          <a:bodyPr rtlCol="0" anchor="ctr"/>
-          <a:lstStyle/>
-          <a:p>
-            <a:pPr algn="ctr"/>
-            <a:r>
-              <a:rPr lang="fr-FR" sz="900" dirty="0"/>
-              <a:t>MOT1_CFG3</a:t>
-            </a:r>
-          </a:p>
-        </p:txBody>
-      </p:sp>
-      <p:sp>
-        <p:nvSpPr>
-          <p:cNvPr id="64" name="Rectangle : coins arrondis 63">
-            <a:extLst>
-              <a:ext uri="{FF2B5EF4-FFF2-40B4-BE49-F238E27FC236}">
-                <a16:creationId xmlns:a16="http://schemas.microsoft.com/office/drawing/2014/main" id="{FAB511FA-E123-1F1D-4D00-AF1C3FB0D901}"/>
-              </a:ext>
-            </a:extLst>
-          </p:cNvPr>
-          <p:cNvSpPr/>
-          <p:nvPr/>
-        </p:nvSpPr>
-        <p:spPr>
-          <a:xfrm>
-            <a:off x="10228527" y="5514902"/>
-            <a:ext cx="854593" cy="148656"/>
-          </a:xfrm>
-          <a:prstGeom prst="roundRect">
-            <a:avLst/>
-          </a:prstGeom>
-          <a:solidFill>
-            <a:srgbClr val="4472C4"/>
-          </a:solidFill>
-        </p:spPr>
-        <p:style>
-          <a:lnRef idx="2">
-            <a:schemeClr val="accent1">
-              <a:shade val="50000"/>
-            </a:schemeClr>
-          </a:lnRef>
-          <a:fillRef idx="1">
-            <a:schemeClr val="accent1"/>
-          </a:fillRef>
-          <a:effectRef idx="0">
-            <a:schemeClr val="accent1"/>
-          </a:effectRef>
-          <a:fontRef idx="minor">
-            <a:schemeClr val="lt1"/>
-          </a:fontRef>
-        </p:style>
-        <p:txBody>
-          <a:bodyPr rtlCol="0" anchor="ctr"/>
-          <a:lstStyle/>
-          <a:p>
-            <a:pPr algn="ctr"/>
-            <a:r>
-              <a:rPr lang="fr-FR" sz="900" dirty="0"/>
-              <a:t>MOT1_STEP</a:t>
-            </a:r>
-          </a:p>
-        </p:txBody>
-      </p:sp>
-      <p:sp>
-        <p:nvSpPr>
-          <p:cNvPr id="65" name="Rectangle : coins arrondis 64">
-            <a:extLst>
-              <a:ext uri="{FF2B5EF4-FFF2-40B4-BE49-F238E27FC236}">
-                <a16:creationId xmlns:a16="http://schemas.microsoft.com/office/drawing/2014/main" id="{408B05E2-592E-A3C0-A068-64EF32AA1E0D}"/>
-              </a:ext>
-            </a:extLst>
-          </p:cNvPr>
-          <p:cNvSpPr/>
-          <p:nvPr/>
-        </p:nvSpPr>
-        <p:spPr>
-          <a:xfrm>
-            <a:off x="7081980" y="5132175"/>
-            <a:ext cx="854593" cy="148656"/>
-          </a:xfrm>
-          <a:prstGeom prst="roundRect">
-            <a:avLst/>
-          </a:prstGeom>
-          <a:solidFill>
-            <a:schemeClr val="accent2"/>
-          </a:solidFill>
-        </p:spPr>
-        <p:style>
-          <a:lnRef idx="2">
-            <a:schemeClr val="accent1">
-              <a:shade val="50000"/>
-            </a:schemeClr>
-          </a:lnRef>
-          <a:fillRef idx="1">
-            <a:schemeClr val="accent1"/>
-          </a:fillRef>
-          <a:effectRef idx="0">
-            <a:schemeClr val="accent1"/>
-          </a:effectRef>
-          <a:fontRef idx="minor">
-            <a:schemeClr val="lt1"/>
-          </a:fontRef>
-        </p:style>
-        <p:txBody>
-          <a:bodyPr rtlCol="0" anchor="ctr"/>
-          <a:lstStyle/>
-          <a:p>
-            <a:pPr algn="ctr"/>
-            <a:r>
-              <a:rPr lang="fr-FR" sz="900" dirty="0"/>
-              <a:t>MOT2_DIR</a:t>
-            </a:r>
-          </a:p>
-        </p:txBody>
-      </p:sp>
-      <p:sp>
-        <p:nvSpPr>
-          <p:cNvPr id="66" name="Rectangle : coins arrondis 65">
-            <a:extLst>
-              <a:ext uri="{FF2B5EF4-FFF2-40B4-BE49-F238E27FC236}">
-                <a16:creationId xmlns:a16="http://schemas.microsoft.com/office/drawing/2014/main" id="{1A0DDE5E-9282-9D13-F35F-30C5AFFF7A49}"/>
-              </a:ext>
-            </a:extLst>
-          </p:cNvPr>
-          <p:cNvSpPr/>
-          <p:nvPr/>
-        </p:nvSpPr>
-        <p:spPr>
-          <a:xfrm>
-            <a:off x="7088423" y="4949116"/>
-            <a:ext cx="854593" cy="148656"/>
-          </a:xfrm>
-          <a:prstGeom prst="roundRect">
-            <a:avLst/>
-          </a:prstGeom>
-          <a:solidFill>
-            <a:schemeClr val="accent2"/>
-          </a:solidFill>
-        </p:spPr>
-        <p:style>
-          <a:lnRef idx="2">
-            <a:schemeClr val="accent1">
-              <a:shade val="50000"/>
-            </a:schemeClr>
-          </a:lnRef>
-          <a:fillRef idx="1">
-            <a:schemeClr val="accent1"/>
-          </a:fillRef>
-          <a:effectRef idx="0">
-            <a:schemeClr val="accent1"/>
-          </a:effectRef>
-          <a:fontRef idx="minor">
-            <a:schemeClr val="lt1"/>
-          </a:fontRef>
-        </p:style>
-        <p:txBody>
-          <a:bodyPr rtlCol="0" anchor="ctr"/>
-          <a:lstStyle/>
-          <a:p>
-            <a:pPr algn="ctr"/>
-            <a:r>
-              <a:rPr lang="fr-FR" sz="900" dirty="0"/>
-              <a:t>MOT2_STEP</a:t>
-            </a:r>
-          </a:p>
-        </p:txBody>
-      </p:sp>
-      <p:sp>
-        <p:nvSpPr>
-          <p:cNvPr id="73" name="Rectangle : coins arrondis 72">
-            <a:extLst>
-              <a:ext uri="{FF2B5EF4-FFF2-40B4-BE49-F238E27FC236}">
-                <a16:creationId xmlns:a16="http://schemas.microsoft.com/office/drawing/2014/main" id="{D8775532-D331-86F6-55A2-7AEB4FBCE017}"/>
-              </a:ext>
-            </a:extLst>
-          </p:cNvPr>
-          <p:cNvSpPr/>
-          <p:nvPr/>
-        </p:nvSpPr>
-        <p:spPr>
-          <a:xfrm>
-            <a:off x="7070165" y="4751934"/>
-            <a:ext cx="854593" cy="148656"/>
-          </a:xfrm>
-          <a:prstGeom prst="roundRect">
-            <a:avLst/>
-          </a:prstGeom>
-          <a:solidFill>
-            <a:schemeClr val="accent2"/>
-          </a:solidFill>
-        </p:spPr>
-        <p:style>
-          <a:lnRef idx="2">
-            <a:schemeClr val="accent1">
-              <a:shade val="50000"/>
-            </a:schemeClr>
-          </a:lnRef>
-          <a:fillRef idx="1">
-            <a:schemeClr val="accent1"/>
-          </a:fillRef>
-          <a:effectRef idx="0">
-            <a:schemeClr val="accent1"/>
-          </a:effectRef>
-          <a:fontRef idx="minor">
-            <a:schemeClr val="lt1"/>
-          </a:fontRef>
-        </p:style>
-        <p:txBody>
-          <a:bodyPr rtlCol="0" anchor="ctr"/>
-          <a:lstStyle/>
-          <a:p>
-            <a:pPr algn="ctr"/>
-            <a:r>
-              <a:rPr lang="fr-FR" sz="900" dirty="0"/>
-              <a:t>MOT2_EN</a:t>
-            </a:r>
+              <a:t> </a:t>
+            </a:r>
+            <a:r>
+              <a:rPr lang="fr-FR" dirty="0" err="1">
+                <a:solidFill>
+                  <a:srgbClr val="002060"/>
+                </a:solidFill>
+              </a:rPr>
+              <a:t>conveyor</a:t>
+            </a:r>
+            <a:endParaRPr lang="fr-FR" dirty="0">
+              <a:solidFill>
+                <a:srgbClr val="002060"/>
+              </a:solidFill>
+            </a:endParaRPr>
           </a:p>
         </p:txBody>
       </p:sp>
@@ -10518,7 +10719,7 @@
         <p:spPr>
           <a:xfrm>
             <a:off x="262934" y="173327"/>
-            <a:ext cx="1109599" cy="523220"/>
+            <a:ext cx="4636206" cy="523220"/>
           </a:xfrm>
           <a:prstGeom prst="rect">
             <a:avLst/>
@@ -10533,64 +10734,23 @@
           <a:p>
             <a:r>
               <a:rPr lang="fr-FR" sz="2800" b="1" dirty="0"/>
-              <a:t>nRF24</a:t>
-            </a:r>
-          </a:p>
-        </p:txBody>
-      </p:sp>
-      <p:sp>
-        <p:nvSpPr>
-          <p:cNvPr id="75" name="ZoneTexte 74">
-            <a:extLst>
-              <a:ext uri="{FF2B5EF4-FFF2-40B4-BE49-F238E27FC236}">
-                <a16:creationId xmlns:a16="http://schemas.microsoft.com/office/drawing/2014/main" id="{9900FBC1-3C7F-495D-98E2-7B766A171227}"/>
-              </a:ext>
-            </a:extLst>
-          </p:cNvPr>
-          <p:cNvSpPr txBox="1"/>
-          <p:nvPr/>
-        </p:nvSpPr>
-        <p:spPr>
-          <a:xfrm>
-            <a:off x="9219040" y="173327"/>
-            <a:ext cx="2626731" cy="584775"/>
-          </a:xfrm>
-          <a:prstGeom prst="rect">
-            <a:avLst/>
-          </a:prstGeom>
-          <a:noFill/>
-        </p:spPr>
-        <p:txBody>
-          <a:bodyPr wrap="square" rtlCol="0">
-            <a:spAutoFit/>
-          </a:bodyPr>
-          <a:lstStyle/>
-          <a:p>
-            <a:pPr marL="285750" indent="-285750">
-              <a:buFontTx/>
-              <a:buChar char="-"/>
-            </a:pPr>
-            <a:r>
-              <a:rPr lang="fr-FR" sz="1600" b="1" dirty="0">
-                <a:solidFill>
-                  <a:schemeClr val="accent2"/>
-                </a:solidFill>
-              </a:rPr>
-              <a:t>Contrôleur de lumière</a:t>
-            </a:r>
-          </a:p>
-          <a:p>
-            <a:pPr marL="285750" indent="-285750">
-              <a:buFontTx/>
-              <a:buChar char="-"/>
-            </a:pPr>
-            <a:r>
-              <a:rPr lang="fr-FR" sz="1600" b="1" dirty="0">
-                <a:solidFill>
-                  <a:schemeClr val="accent2"/>
-                </a:solidFill>
-              </a:rPr>
-              <a:t>Communication RF</a:t>
+              <a:t>TMC2100 – </a:t>
+            </a:r>
+            <a:r>
+              <a:rPr lang="fr-FR" sz="2800" b="1" dirty="0" err="1"/>
+              <a:t>Step</a:t>
+            </a:r>
+            <a:r>
+              <a:rPr lang="fr-FR" sz="2800" b="1" dirty="0"/>
+              <a:t> </a:t>
+            </a:r>
+            <a:r>
+              <a:rPr lang="fr-FR" sz="2800" b="1" dirty="0" err="1"/>
+              <a:t>Motor</a:t>
+            </a:r>
+            <a:r>
+              <a:rPr lang="fr-FR" sz="2800" b="1" dirty="0"/>
+              <a:t> Driver</a:t>
             </a:r>
           </a:p>
         </p:txBody>
@@ -10651,7 +10811,7 @@
         <p:spPr>
           <a:xfrm>
             <a:off x="262934" y="754727"/>
-            <a:ext cx="4744440" cy="369332"/>
+            <a:ext cx="3987374" cy="369332"/>
           </a:xfrm>
           <a:prstGeom prst="rect">
             <a:avLst/>
@@ -10664,13 +10824,53 @@
           </a:bodyPr>
           <a:lstStyle/>
           <a:p>
+            <a:r>
+              <a:rPr lang="fr-FR" dirty="0" err="1">
+                <a:solidFill>
+                  <a:srgbClr val="002060"/>
+                </a:solidFill>
+              </a:rPr>
+              <a:t>Step</a:t>
+            </a:r>
             <a:r>
               <a:rPr lang="fr-FR" dirty="0">
                 <a:solidFill>
                   <a:srgbClr val="002060"/>
                 </a:solidFill>
               </a:rPr>
-              <a:t>Module RF nRF24 + carte communication sans fil</a:t>
+              <a:t> </a:t>
+            </a:r>
+            <a:r>
+              <a:rPr lang="fr-FR" dirty="0" err="1">
+                <a:solidFill>
+                  <a:srgbClr val="002060"/>
+                </a:solidFill>
+              </a:rPr>
+              <a:t>Motor</a:t>
+            </a:r>
+            <a:r>
+              <a:rPr lang="fr-FR" dirty="0">
+                <a:solidFill>
+                  <a:srgbClr val="002060"/>
+                </a:solidFill>
+              </a:rPr>
+              <a:t> Driver / </a:t>
+            </a:r>
+            <a:r>
+              <a:rPr lang="fr-FR" dirty="0" err="1">
+                <a:solidFill>
+                  <a:srgbClr val="002060"/>
+                </a:solidFill>
+              </a:rPr>
+              <a:t>Motor</a:t>
+            </a:r>
+            <a:r>
+              <a:rPr lang="fr-FR" dirty="0">
+                <a:solidFill>
+                  <a:srgbClr val="002060"/>
+                </a:solidFill>
+              </a:rPr>
+              <a:t> 1 /  TMC2100</a:t>
             </a:r>
           </a:p>
         </p:txBody>
@@ -10720,10 +10920,999 @@
       </p:cxnSp>
       <p:sp>
         <p:nvSpPr>
-          <p:cNvPr id="39" name="ZoneTexte 38">
-            <a:extLst>
-              <a:ext uri="{FF2B5EF4-FFF2-40B4-BE49-F238E27FC236}">
-                <a16:creationId xmlns:a16="http://schemas.microsoft.com/office/drawing/2014/main" id="{DBE71EB7-5919-44AF-9E3D-D19DCC7E43FA}"/>
+          <p:cNvPr id="27" name="Rectangle : coins arrondis 26">
+            <a:extLst>
+              <a:ext uri="{FF2B5EF4-FFF2-40B4-BE49-F238E27FC236}">
+                <a16:creationId xmlns:a16="http://schemas.microsoft.com/office/drawing/2014/main" id="{9D4A843D-8297-4576-89AA-61FC550ACB2B}"/>
+              </a:ext>
+            </a:extLst>
+          </p:cNvPr>
+          <p:cNvSpPr/>
+          <p:nvPr/>
+        </p:nvSpPr>
+        <p:spPr>
+          <a:xfrm>
+            <a:off x="3220569" y="2494282"/>
+            <a:ext cx="772357" cy="2933830"/>
+          </a:xfrm>
+          <a:prstGeom prst="roundRect">
+            <a:avLst/>
+          </a:prstGeom>
+          <a:solidFill>
+            <a:schemeClr val="accent5">
+              <a:lumMod val="20000"/>
+              <a:lumOff val="80000"/>
+            </a:schemeClr>
+          </a:solidFill>
+        </p:spPr>
+        <p:style>
+          <a:lnRef idx="2">
+            <a:schemeClr val="accent1">
+              <a:shade val="50000"/>
+            </a:schemeClr>
+          </a:lnRef>
+          <a:fillRef idx="1">
+            <a:schemeClr val="accent1"/>
+          </a:fillRef>
+          <a:effectRef idx="0">
+            <a:schemeClr val="accent1"/>
+          </a:effectRef>
+          <a:fontRef idx="minor">
+            <a:schemeClr val="lt1"/>
+          </a:fontRef>
+        </p:style>
+        <p:txBody>
+          <a:bodyPr vert="vert270" rtlCol="0" anchor="ctr"/>
+          <a:lstStyle/>
+          <a:p>
+            <a:pPr algn="ctr"/>
+            <a:r>
+              <a:rPr lang="fr-FR" dirty="0">
+                <a:solidFill>
+                  <a:schemeClr val="bg1">
+                    <a:lumMod val="50000"/>
+                  </a:schemeClr>
+                </a:solidFill>
+              </a:rPr>
+              <a:t>TMC2100 / Motor1</a:t>
+            </a:r>
+          </a:p>
+        </p:txBody>
+      </p:sp>
+      <p:sp>
+        <p:nvSpPr>
+          <p:cNvPr id="80" name="Rectangle : coins arrondis 79">
+            <a:extLst>
+              <a:ext uri="{FF2B5EF4-FFF2-40B4-BE49-F238E27FC236}">
+                <a16:creationId xmlns:a16="http://schemas.microsoft.com/office/drawing/2014/main" id="{64669771-63F0-4ECF-ADA0-F626A6523D08}"/>
+              </a:ext>
+            </a:extLst>
+          </p:cNvPr>
+          <p:cNvSpPr/>
+          <p:nvPr/>
+        </p:nvSpPr>
+        <p:spPr>
+          <a:xfrm>
+            <a:off x="2570006" y="2709778"/>
+            <a:ext cx="772357" cy="148656"/>
+          </a:xfrm>
+          <a:prstGeom prst="roundRect">
+            <a:avLst/>
+          </a:prstGeom>
+          <a:solidFill>
+            <a:schemeClr val="tx1"/>
+          </a:solidFill>
+        </p:spPr>
+        <p:style>
+          <a:lnRef idx="2">
+            <a:schemeClr val="accent1">
+              <a:shade val="50000"/>
+            </a:schemeClr>
+          </a:lnRef>
+          <a:fillRef idx="1">
+            <a:schemeClr val="accent1"/>
+          </a:fillRef>
+          <a:effectRef idx="0">
+            <a:schemeClr val="accent1"/>
+          </a:effectRef>
+          <a:fontRef idx="minor">
+            <a:schemeClr val="lt1"/>
+          </a:fontRef>
+        </p:style>
+        <p:txBody>
+          <a:bodyPr rtlCol="0" anchor="ctr"/>
+          <a:lstStyle/>
+          <a:p>
+            <a:pPr algn="ctr"/>
+            <a:r>
+              <a:rPr lang="fr-FR" sz="1100" dirty="0"/>
+              <a:t>GND</a:t>
+            </a:r>
+          </a:p>
+        </p:txBody>
+      </p:sp>
+      <p:sp>
+        <p:nvSpPr>
+          <p:cNvPr id="81" name="Rectangle : coins arrondis 80">
+            <a:extLst>
+              <a:ext uri="{FF2B5EF4-FFF2-40B4-BE49-F238E27FC236}">
+                <a16:creationId xmlns:a16="http://schemas.microsoft.com/office/drawing/2014/main" id="{F407DFD6-70D6-4B02-94CF-E54582524E31}"/>
+              </a:ext>
+            </a:extLst>
+          </p:cNvPr>
+          <p:cNvSpPr/>
+          <p:nvPr/>
+        </p:nvSpPr>
+        <p:spPr>
+          <a:xfrm>
+            <a:off x="2570005" y="2894637"/>
+            <a:ext cx="772357" cy="148656"/>
+          </a:xfrm>
+          <a:prstGeom prst="roundRect">
+            <a:avLst/>
+          </a:prstGeom>
+          <a:solidFill>
+            <a:srgbClr val="FF0000"/>
+          </a:solidFill>
+        </p:spPr>
+        <p:style>
+          <a:lnRef idx="2">
+            <a:schemeClr val="accent1">
+              <a:shade val="50000"/>
+            </a:schemeClr>
+          </a:lnRef>
+          <a:fillRef idx="1">
+            <a:schemeClr val="accent1"/>
+          </a:fillRef>
+          <a:effectRef idx="0">
+            <a:schemeClr val="accent1"/>
+          </a:effectRef>
+          <a:fontRef idx="minor">
+            <a:schemeClr val="lt1"/>
+          </a:fontRef>
+        </p:style>
+        <p:txBody>
+          <a:bodyPr rtlCol="0" anchor="ctr"/>
+          <a:lstStyle/>
+          <a:p>
+            <a:pPr algn="ctr"/>
+            <a:r>
+              <a:rPr lang="fr-FR" sz="1100" dirty="0"/>
+              <a:t>3.3V</a:t>
+            </a:r>
+          </a:p>
+        </p:txBody>
+      </p:sp>
+      <p:pic>
+        <p:nvPicPr>
+          <p:cNvPr id="3" name="Image 2">
+            <a:extLst>
+              <a:ext uri="{FF2B5EF4-FFF2-40B4-BE49-F238E27FC236}">
+                <a16:creationId xmlns:a16="http://schemas.microsoft.com/office/drawing/2014/main" id="{CBED6647-B2CD-B116-9FB1-83350EB2F81C}"/>
+              </a:ext>
+            </a:extLst>
+          </p:cNvPr>
+          <p:cNvPicPr>
+            <a:picLocks noChangeAspect="1"/>
+          </p:cNvPicPr>
+          <p:nvPr/>
+        </p:nvPicPr>
+        <p:blipFill>
+          <a:blip r:embed="rId2"/>
+          <a:stretch>
+            <a:fillRect/>
+          </a:stretch>
+        </p:blipFill>
+        <p:spPr>
+          <a:xfrm>
+            <a:off x="7745332" y="1595099"/>
+            <a:ext cx="4168501" cy="2453853"/>
+          </a:xfrm>
+          <a:prstGeom prst="rect">
+            <a:avLst/>
+          </a:prstGeom>
+        </p:spPr>
+      </p:pic>
+      <p:sp>
+        <p:nvSpPr>
+          <p:cNvPr id="6" name="Rectangle : coins arrondis 5">
+            <a:extLst>
+              <a:ext uri="{FF2B5EF4-FFF2-40B4-BE49-F238E27FC236}">
+                <a16:creationId xmlns:a16="http://schemas.microsoft.com/office/drawing/2014/main" id="{B6FE7931-5B33-498D-AB6D-648CFA6CE2EF}"/>
+              </a:ext>
+            </a:extLst>
+          </p:cNvPr>
+          <p:cNvSpPr/>
+          <p:nvPr/>
+        </p:nvSpPr>
+        <p:spPr>
+          <a:xfrm>
+            <a:off x="1227792" y="3221817"/>
+            <a:ext cx="854593" cy="148656"/>
+          </a:xfrm>
+          <a:prstGeom prst="roundRect">
+            <a:avLst/>
+          </a:prstGeom>
+          <a:solidFill>
+            <a:srgbClr val="4472C4"/>
+          </a:solidFill>
+        </p:spPr>
+        <p:style>
+          <a:lnRef idx="2">
+            <a:schemeClr val="accent1">
+              <a:shade val="50000"/>
+            </a:schemeClr>
+          </a:lnRef>
+          <a:fillRef idx="1">
+            <a:schemeClr val="accent1"/>
+          </a:fillRef>
+          <a:effectRef idx="0">
+            <a:schemeClr val="accent1"/>
+          </a:effectRef>
+          <a:fontRef idx="minor">
+            <a:schemeClr val="lt1"/>
+          </a:fontRef>
+        </p:style>
+        <p:txBody>
+          <a:bodyPr rtlCol="0" anchor="ctr"/>
+          <a:lstStyle/>
+          <a:p>
+            <a:pPr algn="ctr"/>
+            <a:r>
+              <a:rPr lang="fr-FR" sz="900" dirty="0"/>
+              <a:t>PB_3</a:t>
+            </a:r>
+          </a:p>
+        </p:txBody>
+      </p:sp>
+      <p:sp>
+        <p:nvSpPr>
+          <p:cNvPr id="7" name="Rectangle : coins arrondis 6">
+            <a:extLst>
+              <a:ext uri="{FF2B5EF4-FFF2-40B4-BE49-F238E27FC236}">
+                <a16:creationId xmlns:a16="http://schemas.microsoft.com/office/drawing/2014/main" id="{B9248AA2-009F-E738-481C-6A28727C2FD8}"/>
+              </a:ext>
+            </a:extLst>
+          </p:cNvPr>
+          <p:cNvSpPr/>
+          <p:nvPr/>
+        </p:nvSpPr>
+        <p:spPr>
+          <a:xfrm>
+            <a:off x="1242389" y="4445594"/>
+            <a:ext cx="854593" cy="148656"/>
+          </a:xfrm>
+          <a:prstGeom prst="roundRect">
+            <a:avLst/>
+          </a:prstGeom>
+          <a:solidFill>
+            <a:srgbClr val="4472C4"/>
+          </a:solidFill>
+        </p:spPr>
+        <p:style>
+          <a:lnRef idx="2">
+            <a:schemeClr val="accent1">
+              <a:shade val="50000"/>
+            </a:schemeClr>
+          </a:lnRef>
+          <a:fillRef idx="1">
+            <a:schemeClr val="accent1"/>
+          </a:fillRef>
+          <a:effectRef idx="0">
+            <a:schemeClr val="accent1"/>
+          </a:effectRef>
+          <a:fontRef idx="minor">
+            <a:schemeClr val="lt1"/>
+          </a:fontRef>
+        </p:style>
+        <p:txBody>
+          <a:bodyPr rtlCol="0" anchor="ctr"/>
+          <a:lstStyle/>
+          <a:p>
+            <a:pPr algn="ctr"/>
+            <a:r>
+              <a:rPr lang="fr-FR" sz="900" dirty="0"/>
+              <a:t>PB_13</a:t>
+            </a:r>
+          </a:p>
+        </p:txBody>
+      </p:sp>
+      <p:sp>
+        <p:nvSpPr>
+          <p:cNvPr id="8" name="Rectangle : coins arrondis 7">
+            <a:extLst>
+              <a:ext uri="{FF2B5EF4-FFF2-40B4-BE49-F238E27FC236}">
+                <a16:creationId xmlns:a16="http://schemas.microsoft.com/office/drawing/2014/main" id="{BAFF7996-7526-1C95-D8CD-A05A49CEDD15}"/>
+              </a:ext>
+            </a:extLst>
+          </p:cNvPr>
+          <p:cNvSpPr/>
+          <p:nvPr/>
+        </p:nvSpPr>
+        <p:spPr>
+          <a:xfrm>
+            <a:off x="1242391" y="4250196"/>
+            <a:ext cx="854593" cy="148656"/>
+          </a:xfrm>
+          <a:prstGeom prst="roundRect">
+            <a:avLst/>
+          </a:prstGeom>
+          <a:solidFill>
+            <a:srgbClr val="4472C4"/>
+          </a:solidFill>
+        </p:spPr>
+        <p:style>
+          <a:lnRef idx="2">
+            <a:schemeClr val="accent1">
+              <a:shade val="50000"/>
+            </a:schemeClr>
+          </a:lnRef>
+          <a:fillRef idx="1">
+            <a:schemeClr val="accent1"/>
+          </a:fillRef>
+          <a:effectRef idx="0">
+            <a:schemeClr val="accent1"/>
+          </a:effectRef>
+          <a:fontRef idx="minor">
+            <a:schemeClr val="lt1"/>
+          </a:fontRef>
+        </p:style>
+        <p:txBody>
+          <a:bodyPr rtlCol="0" anchor="ctr"/>
+          <a:lstStyle/>
+          <a:p>
+            <a:pPr algn="ctr"/>
+            <a:r>
+              <a:rPr lang="fr-FR" sz="900" dirty="0"/>
+              <a:t>PB_14</a:t>
+            </a:r>
+          </a:p>
+        </p:txBody>
+      </p:sp>
+      <p:sp>
+        <p:nvSpPr>
+          <p:cNvPr id="9" name="Rectangle : coins arrondis 8">
+            <a:extLst>
+              <a:ext uri="{FF2B5EF4-FFF2-40B4-BE49-F238E27FC236}">
+                <a16:creationId xmlns:a16="http://schemas.microsoft.com/office/drawing/2014/main" id="{2F628DDD-93BA-A62F-3115-C41E9B9DE70D}"/>
+              </a:ext>
+            </a:extLst>
+          </p:cNvPr>
+          <p:cNvSpPr/>
+          <p:nvPr/>
+        </p:nvSpPr>
+        <p:spPr>
+          <a:xfrm>
+            <a:off x="1242391" y="3862614"/>
+            <a:ext cx="854593" cy="148656"/>
+          </a:xfrm>
+          <a:prstGeom prst="roundRect">
+            <a:avLst/>
+          </a:prstGeom>
+          <a:solidFill>
+            <a:srgbClr val="4472C4"/>
+          </a:solidFill>
+        </p:spPr>
+        <p:style>
+          <a:lnRef idx="2">
+            <a:schemeClr val="accent1">
+              <a:shade val="50000"/>
+            </a:schemeClr>
+          </a:lnRef>
+          <a:fillRef idx="1">
+            <a:schemeClr val="accent1"/>
+          </a:fillRef>
+          <a:effectRef idx="0">
+            <a:schemeClr val="accent1"/>
+          </a:effectRef>
+          <a:fontRef idx="minor">
+            <a:schemeClr val="lt1"/>
+          </a:fontRef>
+        </p:style>
+        <p:txBody>
+          <a:bodyPr rtlCol="0" anchor="ctr"/>
+          <a:lstStyle/>
+          <a:p>
+            <a:pPr algn="ctr"/>
+            <a:r>
+              <a:rPr lang="fr-FR" sz="900" dirty="0"/>
+              <a:t>PB_1</a:t>
+            </a:r>
+          </a:p>
+        </p:txBody>
+      </p:sp>
+      <p:sp>
+        <p:nvSpPr>
+          <p:cNvPr id="10" name="Rectangle : coins arrondis 9">
+            <a:extLst>
+              <a:ext uri="{FF2B5EF4-FFF2-40B4-BE49-F238E27FC236}">
+                <a16:creationId xmlns:a16="http://schemas.microsoft.com/office/drawing/2014/main" id="{083251AC-8ECB-2202-4C8E-265ED1235980}"/>
+              </a:ext>
+            </a:extLst>
+          </p:cNvPr>
+          <p:cNvSpPr/>
+          <p:nvPr/>
+        </p:nvSpPr>
+        <p:spPr>
+          <a:xfrm>
+            <a:off x="1227790" y="3416195"/>
+            <a:ext cx="854593" cy="148656"/>
+          </a:xfrm>
+          <a:prstGeom prst="roundRect">
+            <a:avLst/>
+          </a:prstGeom>
+          <a:solidFill>
+            <a:srgbClr val="4472C4"/>
+          </a:solidFill>
+          <a:ln>
+            <a:solidFill>
+              <a:srgbClr val="4472C4"/>
+            </a:solidFill>
+          </a:ln>
+        </p:spPr>
+        <p:style>
+          <a:lnRef idx="2">
+            <a:schemeClr val="accent1">
+              <a:shade val="50000"/>
+            </a:schemeClr>
+          </a:lnRef>
+          <a:fillRef idx="1">
+            <a:schemeClr val="accent1"/>
+          </a:fillRef>
+          <a:effectRef idx="0">
+            <a:schemeClr val="accent1"/>
+          </a:effectRef>
+          <a:fontRef idx="minor">
+            <a:schemeClr val="lt1"/>
+          </a:fontRef>
+        </p:style>
+        <p:txBody>
+          <a:bodyPr rtlCol="0" anchor="ctr"/>
+          <a:lstStyle/>
+          <a:p>
+            <a:pPr algn="ctr"/>
+            <a:r>
+              <a:rPr lang="fr-FR" sz="900" dirty="0"/>
+              <a:t>PA_10</a:t>
+            </a:r>
+          </a:p>
+        </p:txBody>
+      </p:sp>
+      <p:sp>
+        <p:nvSpPr>
+          <p:cNvPr id="11" name="Rectangle : coins arrondis 10">
+            <a:extLst>
+              <a:ext uri="{FF2B5EF4-FFF2-40B4-BE49-F238E27FC236}">
+                <a16:creationId xmlns:a16="http://schemas.microsoft.com/office/drawing/2014/main" id="{5A383803-A77F-2CFD-D218-DE0DBFA68CE0}"/>
+              </a:ext>
+            </a:extLst>
+          </p:cNvPr>
+          <p:cNvSpPr/>
+          <p:nvPr/>
+        </p:nvSpPr>
+        <p:spPr>
+          <a:xfrm>
+            <a:off x="1242391" y="4058415"/>
+            <a:ext cx="854593" cy="148656"/>
+          </a:xfrm>
+          <a:prstGeom prst="roundRect">
+            <a:avLst/>
+          </a:prstGeom>
+          <a:solidFill>
+            <a:srgbClr val="4472C4"/>
+          </a:solidFill>
+        </p:spPr>
+        <p:style>
+          <a:lnRef idx="2">
+            <a:schemeClr val="accent1">
+              <a:shade val="50000"/>
+            </a:schemeClr>
+          </a:lnRef>
+          <a:fillRef idx="1">
+            <a:schemeClr val="accent1"/>
+          </a:fillRef>
+          <a:effectRef idx="0">
+            <a:schemeClr val="accent1"/>
+          </a:effectRef>
+          <a:fontRef idx="minor">
+            <a:schemeClr val="lt1"/>
+          </a:fontRef>
+        </p:style>
+        <p:txBody>
+          <a:bodyPr rtlCol="0" anchor="ctr"/>
+          <a:lstStyle/>
+          <a:p>
+            <a:pPr algn="ctr"/>
+            <a:r>
+              <a:rPr lang="fr-FR" sz="900" dirty="0"/>
+              <a:t>PB_15</a:t>
+            </a:r>
+          </a:p>
+        </p:txBody>
+      </p:sp>
+      <p:sp>
+        <p:nvSpPr>
+          <p:cNvPr id="12" name="Rectangle : coins arrondis 11">
+            <a:extLst>
+              <a:ext uri="{FF2B5EF4-FFF2-40B4-BE49-F238E27FC236}">
+                <a16:creationId xmlns:a16="http://schemas.microsoft.com/office/drawing/2014/main" id="{E2D74EF0-0395-3917-984F-672619BD4AF7}"/>
+              </a:ext>
+            </a:extLst>
+          </p:cNvPr>
+          <p:cNvSpPr/>
+          <p:nvPr/>
+        </p:nvSpPr>
+        <p:spPr>
+          <a:xfrm>
+            <a:off x="1242389" y="4834350"/>
+            <a:ext cx="854593" cy="148656"/>
+          </a:xfrm>
+          <a:prstGeom prst="roundRect">
+            <a:avLst/>
+          </a:prstGeom>
+          <a:solidFill>
+            <a:srgbClr val="4472C4"/>
+          </a:solidFill>
+        </p:spPr>
+        <p:style>
+          <a:lnRef idx="2">
+            <a:schemeClr val="accent1">
+              <a:shade val="50000"/>
+            </a:schemeClr>
+          </a:lnRef>
+          <a:fillRef idx="1">
+            <a:schemeClr val="accent1"/>
+          </a:fillRef>
+          <a:effectRef idx="0">
+            <a:schemeClr val="accent1"/>
+          </a:effectRef>
+          <a:fontRef idx="minor">
+            <a:schemeClr val="lt1"/>
+          </a:fontRef>
+        </p:style>
+        <p:txBody>
+          <a:bodyPr rtlCol="0" anchor="ctr"/>
+          <a:lstStyle/>
+          <a:p>
+            <a:pPr algn="ctr"/>
+            <a:r>
+              <a:rPr lang="fr-FR" sz="900" dirty="0"/>
+              <a:t>PC_4</a:t>
+            </a:r>
+          </a:p>
+        </p:txBody>
+      </p:sp>
+      <p:sp>
+        <p:nvSpPr>
+          <p:cNvPr id="13" name="Rectangle : coins arrondis 12">
+            <a:extLst>
+              <a:ext uri="{FF2B5EF4-FFF2-40B4-BE49-F238E27FC236}">
+                <a16:creationId xmlns:a16="http://schemas.microsoft.com/office/drawing/2014/main" id="{B172B395-DFC9-5BBB-61E9-58D9441D63E1}"/>
+              </a:ext>
+            </a:extLst>
+          </p:cNvPr>
+          <p:cNvSpPr/>
+          <p:nvPr/>
+        </p:nvSpPr>
+        <p:spPr>
+          <a:xfrm>
+            <a:off x="2489394" y="3416195"/>
+            <a:ext cx="854593" cy="148656"/>
+          </a:xfrm>
+          <a:prstGeom prst="roundRect">
+            <a:avLst/>
+          </a:prstGeom>
+          <a:solidFill>
+            <a:schemeClr val="accent2"/>
+          </a:solidFill>
+        </p:spPr>
+        <p:style>
+          <a:lnRef idx="2">
+            <a:schemeClr val="accent1">
+              <a:shade val="50000"/>
+            </a:schemeClr>
+          </a:lnRef>
+          <a:fillRef idx="1">
+            <a:schemeClr val="accent1"/>
+          </a:fillRef>
+          <a:effectRef idx="0">
+            <a:schemeClr val="accent1"/>
+          </a:effectRef>
+          <a:fontRef idx="minor">
+            <a:schemeClr val="lt1"/>
+          </a:fontRef>
+        </p:style>
+        <p:txBody>
+          <a:bodyPr rtlCol="0" anchor="ctr"/>
+          <a:lstStyle/>
+          <a:p>
+            <a:pPr algn="ctr"/>
+            <a:r>
+              <a:rPr lang="fr-FR" sz="900" dirty="0"/>
+              <a:t>MOT1_STEP</a:t>
+            </a:r>
+          </a:p>
+        </p:txBody>
+      </p:sp>
+      <p:sp>
+        <p:nvSpPr>
+          <p:cNvPr id="14" name="Rectangle : coins arrondis 13">
+            <a:extLst>
+              <a:ext uri="{FF2B5EF4-FFF2-40B4-BE49-F238E27FC236}">
+                <a16:creationId xmlns:a16="http://schemas.microsoft.com/office/drawing/2014/main" id="{C8068DA0-2E21-582F-79DD-DC91ADDA6873}"/>
+              </a:ext>
+            </a:extLst>
+          </p:cNvPr>
+          <p:cNvSpPr/>
+          <p:nvPr/>
+        </p:nvSpPr>
+        <p:spPr>
+          <a:xfrm>
+            <a:off x="2489394" y="3208394"/>
+            <a:ext cx="854593" cy="148656"/>
+          </a:xfrm>
+          <a:prstGeom prst="roundRect">
+            <a:avLst/>
+          </a:prstGeom>
+          <a:solidFill>
+            <a:schemeClr val="accent2"/>
+          </a:solidFill>
+        </p:spPr>
+        <p:style>
+          <a:lnRef idx="2">
+            <a:schemeClr val="accent1">
+              <a:shade val="50000"/>
+            </a:schemeClr>
+          </a:lnRef>
+          <a:fillRef idx="1">
+            <a:schemeClr val="accent1"/>
+          </a:fillRef>
+          <a:effectRef idx="0">
+            <a:schemeClr val="accent1"/>
+          </a:effectRef>
+          <a:fontRef idx="minor">
+            <a:schemeClr val="lt1"/>
+          </a:fontRef>
+        </p:style>
+        <p:txBody>
+          <a:bodyPr rtlCol="0" anchor="ctr"/>
+          <a:lstStyle/>
+          <a:p>
+            <a:pPr algn="ctr"/>
+            <a:r>
+              <a:rPr lang="fr-FR" sz="900" dirty="0"/>
+              <a:t>MOT1_DIR</a:t>
+            </a:r>
+          </a:p>
+        </p:txBody>
+      </p:sp>
+      <p:sp>
+        <p:nvSpPr>
+          <p:cNvPr id="15" name="Rectangle : coins arrondis 14">
+            <a:extLst>
+              <a:ext uri="{FF2B5EF4-FFF2-40B4-BE49-F238E27FC236}">
+                <a16:creationId xmlns:a16="http://schemas.microsoft.com/office/drawing/2014/main" id="{F2EDED5C-B983-32E5-313D-F81D2975A13F}"/>
+              </a:ext>
+            </a:extLst>
+          </p:cNvPr>
+          <p:cNvSpPr/>
+          <p:nvPr/>
+        </p:nvSpPr>
+        <p:spPr>
+          <a:xfrm>
+            <a:off x="2486081" y="4445089"/>
+            <a:ext cx="854593" cy="148656"/>
+          </a:xfrm>
+          <a:prstGeom prst="roundRect">
+            <a:avLst/>
+          </a:prstGeom>
+          <a:solidFill>
+            <a:schemeClr val="accent2"/>
+          </a:solidFill>
+        </p:spPr>
+        <p:style>
+          <a:lnRef idx="2">
+            <a:schemeClr val="accent1">
+              <a:shade val="50000"/>
+            </a:schemeClr>
+          </a:lnRef>
+          <a:fillRef idx="1">
+            <a:schemeClr val="accent1"/>
+          </a:fillRef>
+          <a:effectRef idx="0">
+            <a:schemeClr val="accent1"/>
+          </a:effectRef>
+          <a:fontRef idx="minor">
+            <a:schemeClr val="lt1"/>
+          </a:fontRef>
+        </p:style>
+        <p:txBody>
+          <a:bodyPr rtlCol="0" anchor="ctr"/>
+          <a:lstStyle/>
+          <a:p>
+            <a:pPr algn="ctr"/>
+            <a:r>
+              <a:rPr lang="fr-FR" sz="900" dirty="0"/>
+              <a:t>MOT1_EN</a:t>
+            </a:r>
+          </a:p>
+        </p:txBody>
+      </p:sp>
+      <p:sp>
+        <p:nvSpPr>
+          <p:cNvPr id="16" name="Rectangle : coins arrondis 15">
+            <a:extLst>
+              <a:ext uri="{FF2B5EF4-FFF2-40B4-BE49-F238E27FC236}">
+                <a16:creationId xmlns:a16="http://schemas.microsoft.com/office/drawing/2014/main" id="{58E4CA5B-EB5D-9B1B-3864-9D96700F2BC6}"/>
+              </a:ext>
+            </a:extLst>
+          </p:cNvPr>
+          <p:cNvSpPr/>
+          <p:nvPr/>
+        </p:nvSpPr>
+        <p:spPr>
+          <a:xfrm>
+            <a:off x="2486081" y="4245963"/>
+            <a:ext cx="854593" cy="148656"/>
+          </a:xfrm>
+          <a:prstGeom prst="roundRect">
+            <a:avLst/>
+          </a:prstGeom>
+          <a:solidFill>
+            <a:schemeClr val="accent2"/>
+          </a:solidFill>
+        </p:spPr>
+        <p:style>
+          <a:lnRef idx="2">
+            <a:schemeClr val="accent1">
+              <a:shade val="50000"/>
+            </a:schemeClr>
+          </a:lnRef>
+          <a:fillRef idx="1">
+            <a:schemeClr val="accent1"/>
+          </a:fillRef>
+          <a:effectRef idx="0">
+            <a:schemeClr val="accent1"/>
+          </a:effectRef>
+          <a:fontRef idx="minor">
+            <a:schemeClr val="lt1"/>
+          </a:fontRef>
+        </p:style>
+        <p:txBody>
+          <a:bodyPr rtlCol="0" anchor="ctr"/>
+          <a:lstStyle/>
+          <a:p>
+            <a:pPr algn="ctr"/>
+            <a:r>
+              <a:rPr lang="fr-FR" sz="900" dirty="0"/>
+              <a:t>MOT1_CFG1</a:t>
+            </a:r>
+          </a:p>
+        </p:txBody>
+      </p:sp>
+      <p:sp>
+        <p:nvSpPr>
+          <p:cNvPr id="17" name="Rectangle : coins arrondis 16">
+            <a:extLst>
+              <a:ext uri="{FF2B5EF4-FFF2-40B4-BE49-F238E27FC236}">
+                <a16:creationId xmlns:a16="http://schemas.microsoft.com/office/drawing/2014/main" id="{0BBF1AB5-A5DC-F2CD-8397-457F825AC0BB}"/>
+              </a:ext>
+            </a:extLst>
+          </p:cNvPr>
+          <p:cNvSpPr/>
+          <p:nvPr/>
+        </p:nvSpPr>
+        <p:spPr>
+          <a:xfrm>
+            <a:off x="2486081" y="4046837"/>
+            <a:ext cx="854593" cy="148656"/>
+          </a:xfrm>
+          <a:prstGeom prst="roundRect">
+            <a:avLst/>
+          </a:prstGeom>
+          <a:solidFill>
+            <a:schemeClr val="accent2"/>
+          </a:solidFill>
+        </p:spPr>
+        <p:style>
+          <a:lnRef idx="2">
+            <a:schemeClr val="accent1">
+              <a:shade val="50000"/>
+            </a:schemeClr>
+          </a:lnRef>
+          <a:fillRef idx="1">
+            <a:schemeClr val="accent1"/>
+          </a:fillRef>
+          <a:effectRef idx="0">
+            <a:schemeClr val="accent1"/>
+          </a:effectRef>
+          <a:fontRef idx="minor">
+            <a:schemeClr val="lt1"/>
+          </a:fontRef>
+        </p:style>
+        <p:txBody>
+          <a:bodyPr rtlCol="0" anchor="ctr"/>
+          <a:lstStyle/>
+          <a:p>
+            <a:pPr algn="ctr"/>
+            <a:r>
+              <a:rPr lang="fr-FR" sz="900" dirty="0"/>
+              <a:t>MOT1_CFG2</a:t>
+            </a:r>
+          </a:p>
+        </p:txBody>
+      </p:sp>
+      <p:sp>
+        <p:nvSpPr>
+          <p:cNvPr id="18" name="Rectangle : coins arrondis 17">
+            <a:extLst>
+              <a:ext uri="{FF2B5EF4-FFF2-40B4-BE49-F238E27FC236}">
+                <a16:creationId xmlns:a16="http://schemas.microsoft.com/office/drawing/2014/main" id="{A449C1C7-9095-B567-50CC-7A1BAB083C53}"/>
+              </a:ext>
+            </a:extLst>
+          </p:cNvPr>
+          <p:cNvSpPr/>
+          <p:nvPr/>
+        </p:nvSpPr>
+        <p:spPr>
+          <a:xfrm>
+            <a:off x="2489394" y="3867188"/>
+            <a:ext cx="854593" cy="148656"/>
+          </a:xfrm>
+          <a:prstGeom prst="roundRect">
+            <a:avLst/>
+          </a:prstGeom>
+          <a:solidFill>
+            <a:schemeClr val="accent2"/>
+          </a:solidFill>
+        </p:spPr>
+        <p:style>
+          <a:lnRef idx="2">
+            <a:schemeClr val="accent1">
+              <a:shade val="50000"/>
+            </a:schemeClr>
+          </a:lnRef>
+          <a:fillRef idx="1">
+            <a:schemeClr val="accent1"/>
+          </a:fillRef>
+          <a:effectRef idx="0">
+            <a:schemeClr val="accent1"/>
+          </a:effectRef>
+          <a:fontRef idx="minor">
+            <a:schemeClr val="lt1"/>
+          </a:fontRef>
+        </p:style>
+        <p:txBody>
+          <a:bodyPr rtlCol="0" anchor="ctr"/>
+          <a:lstStyle/>
+          <a:p>
+            <a:pPr algn="ctr"/>
+            <a:r>
+              <a:rPr lang="fr-FR" sz="900" dirty="0"/>
+              <a:t>MOT1_CFG3</a:t>
+            </a:r>
+          </a:p>
+        </p:txBody>
+      </p:sp>
+      <p:sp>
+        <p:nvSpPr>
+          <p:cNvPr id="19" name="Rectangle : coins arrondis 18">
+            <a:extLst>
+              <a:ext uri="{FF2B5EF4-FFF2-40B4-BE49-F238E27FC236}">
+                <a16:creationId xmlns:a16="http://schemas.microsoft.com/office/drawing/2014/main" id="{E2C5B921-1106-71C1-AFF3-D370D931F061}"/>
+              </a:ext>
+            </a:extLst>
+          </p:cNvPr>
+          <p:cNvSpPr/>
+          <p:nvPr/>
+        </p:nvSpPr>
+        <p:spPr>
+          <a:xfrm>
+            <a:off x="2481429" y="4828462"/>
+            <a:ext cx="854593" cy="148656"/>
+          </a:xfrm>
+          <a:prstGeom prst="roundRect">
+            <a:avLst/>
+          </a:prstGeom>
+          <a:solidFill>
+            <a:srgbClr val="ED7D31"/>
+          </a:solidFill>
+        </p:spPr>
+        <p:style>
+          <a:lnRef idx="2">
+            <a:schemeClr val="accent1">
+              <a:shade val="50000"/>
+            </a:schemeClr>
+          </a:lnRef>
+          <a:fillRef idx="1">
+            <a:schemeClr val="accent1"/>
+          </a:fillRef>
+          <a:effectRef idx="0">
+            <a:schemeClr val="accent1"/>
+          </a:effectRef>
+          <a:fontRef idx="minor">
+            <a:schemeClr val="lt1"/>
+          </a:fontRef>
+        </p:style>
+        <p:txBody>
+          <a:bodyPr rtlCol="0" anchor="ctr"/>
+          <a:lstStyle/>
+          <a:p>
+            <a:pPr algn="ctr"/>
+            <a:r>
+              <a:rPr lang="fr-FR" sz="900" dirty="0"/>
+              <a:t>MOT1_STEP</a:t>
+            </a:r>
+          </a:p>
+        </p:txBody>
+      </p:sp>
+      <p:sp>
+        <p:nvSpPr>
+          <p:cNvPr id="20" name="Rectangle : coins arrondis 19">
+            <a:extLst>
+              <a:ext uri="{FF2B5EF4-FFF2-40B4-BE49-F238E27FC236}">
+                <a16:creationId xmlns:a16="http://schemas.microsoft.com/office/drawing/2014/main" id="{A5D2ABF9-72DD-65C5-CCB5-E73AD54E5726}"/>
+              </a:ext>
+            </a:extLst>
+          </p:cNvPr>
+          <p:cNvSpPr/>
+          <p:nvPr/>
+        </p:nvSpPr>
+        <p:spPr>
+          <a:xfrm rot="5400000">
+            <a:off x="2198962" y="4722687"/>
+            <a:ext cx="184619" cy="360205"/>
+          </a:xfrm>
+          <a:prstGeom prst="roundRect">
+            <a:avLst/>
+          </a:prstGeom>
+          <a:solidFill>
+            <a:schemeClr val="bg1"/>
+          </a:solidFill>
+          <a:ln>
+            <a:solidFill>
+              <a:schemeClr val="tx1"/>
+            </a:solidFill>
+          </a:ln>
+        </p:spPr>
+        <p:style>
+          <a:lnRef idx="2">
+            <a:schemeClr val="accent1">
+              <a:shade val="50000"/>
+            </a:schemeClr>
+          </a:lnRef>
+          <a:fillRef idx="1">
+            <a:schemeClr val="accent1"/>
+          </a:fillRef>
+          <a:effectRef idx="0">
+            <a:schemeClr val="accent1"/>
+          </a:effectRef>
+          <a:fontRef idx="minor">
+            <a:schemeClr val="lt1"/>
+          </a:fontRef>
+        </p:style>
+        <p:txBody>
+          <a:bodyPr vert="vert270" rtlCol="0" anchor="ctr"/>
+          <a:lstStyle/>
+          <a:p>
+            <a:pPr algn="ctr"/>
+            <a:r>
+              <a:rPr lang="fr-FR" sz="700" dirty="0">
+                <a:solidFill>
+                  <a:schemeClr val="tx1"/>
+                </a:solidFill>
+              </a:rPr>
+              <a:t>PWM</a:t>
+            </a:r>
+          </a:p>
+        </p:txBody>
+      </p:sp>
+      <p:sp>
+        <p:nvSpPr>
+          <p:cNvPr id="25" name="ZoneTexte 24">
+            <a:extLst>
+              <a:ext uri="{FF2B5EF4-FFF2-40B4-BE49-F238E27FC236}">
+                <a16:creationId xmlns:a16="http://schemas.microsoft.com/office/drawing/2014/main" id="{5355AB40-0912-5C71-0481-43F47C3C54FE}"/>
               </a:ext>
             </a:extLst>
           </p:cNvPr>
@@ -10732,8 +11921,622 @@
         </p:nvSpPr>
         <p:spPr>
           <a:xfrm>
-            <a:off x="779319" y="1059242"/>
-            <a:ext cx="7809638" cy="369332"/>
+            <a:off x="1351210" y="1058909"/>
+            <a:ext cx="8994385" cy="338554"/>
+          </a:xfrm>
+          <a:prstGeom prst="rect">
+            <a:avLst/>
+          </a:prstGeom>
+          <a:noFill/>
+        </p:spPr>
+        <p:txBody>
+          <a:bodyPr wrap="none" rtlCol="0">
+            <a:spAutoFit/>
+          </a:bodyPr>
+          <a:lstStyle/>
+          <a:p>
+            <a:r>
+              <a:rPr lang="fr-FR" sz="1600" dirty="0">
+                <a:solidFill>
+                  <a:srgbClr val="002060"/>
+                </a:solidFill>
+              </a:rPr>
+              <a:t>MBED6 Library : </a:t>
+            </a:r>
+            <a:r>
+              <a:rPr lang="fr-FR" sz="1600" dirty="0"/>
+              <a:t>https://github.com/IOGS-LEnsE-embedded/MBED6_SupOpLibraries/tree/main/TMC2100</a:t>
+            </a:r>
+          </a:p>
+        </p:txBody>
+      </p:sp>
+      <p:sp>
+        <p:nvSpPr>
+          <p:cNvPr id="28" name="Rectangle : coins arrondis 27">
+            <a:extLst>
+              <a:ext uri="{FF2B5EF4-FFF2-40B4-BE49-F238E27FC236}">
+                <a16:creationId xmlns:a16="http://schemas.microsoft.com/office/drawing/2014/main" id="{5924761F-EF2D-3ACB-4ADB-71579ECF148A}"/>
+              </a:ext>
+            </a:extLst>
+          </p:cNvPr>
+          <p:cNvSpPr/>
+          <p:nvPr/>
+        </p:nvSpPr>
+        <p:spPr>
+          <a:xfrm>
+            <a:off x="1235757" y="5199406"/>
+            <a:ext cx="854593" cy="148656"/>
+          </a:xfrm>
+          <a:prstGeom prst="roundRect">
+            <a:avLst/>
+          </a:prstGeom>
+          <a:solidFill>
+            <a:schemeClr val="accent4">
+              <a:lumMod val="50000"/>
+            </a:schemeClr>
+          </a:solidFill>
+        </p:spPr>
+        <p:style>
+          <a:lnRef idx="2">
+            <a:schemeClr val="accent1">
+              <a:shade val="50000"/>
+            </a:schemeClr>
+          </a:lnRef>
+          <a:fillRef idx="1">
+            <a:schemeClr val="accent1"/>
+          </a:fillRef>
+          <a:effectRef idx="0">
+            <a:schemeClr val="accent1"/>
+          </a:effectRef>
+          <a:fontRef idx="minor">
+            <a:schemeClr val="lt1"/>
+          </a:fontRef>
+        </p:style>
+        <p:txBody>
+          <a:bodyPr rtlCol="0" anchor="ctr"/>
+          <a:lstStyle/>
+          <a:p>
+            <a:pPr algn="ctr"/>
+            <a:r>
+              <a:rPr lang="fr-FR" sz="900" dirty="0"/>
+              <a:t>A2</a:t>
+            </a:r>
+          </a:p>
+        </p:txBody>
+      </p:sp>
+      <p:sp>
+        <p:nvSpPr>
+          <p:cNvPr id="35" name="Rectangle : coins arrondis 34">
+            <a:extLst>
+              <a:ext uri="{FF2B5EF4-FFF2-40B4-BE49-F238E27FC236}">
+                <a16:creationId xmlns:a16="http://schemas.microsoft.com/office/drawing/2014/main" id="{9381FA25-FF29-E3C4-9BF6-8821A7969C8D}"/>
+              </a:ext>
+            </a:extLst>
+          </p:cNvPr>
+          <p:cNvSpPr/>
+          <p:nvPr/>
+        </p:nvSpPr>
+        <p:spPr>
+          <a:xfrm>
+            <a:off x="2489394" y="5199406"/>
+            <a:ext cx="854593" cy="148656"/>
+          </a:xfrm>
+          <a:prstGeom prst="roundRect">
+            <a:avLst/>
+          </a:prstGeom>
+          <a:solidFill>
+            <a:srgbClr val="70AD47"/>
+          </a:solidFill>
+        </p:spPr>
+        <p:style>
+          <a:lnRef idx="2">
+            <a:schemeClr val="accent1">
+              <a:shade val="50000"/>
+            </a:schemeClr>
+          </a:lnRef>
+          <a:fillRef idx="1">
+            <a:schemeClr val="accent1"/>
+          </a:fillRef>
+          <a:effectRef idx="0">
+            <a:schemeClr val="accent1"/>
+          </a:effectRef>
+          <a:fontRef idx="minor">
+            <a:schemeClr val="lt1"/>
+          </a:fontRef>
+        </p:style>
+        <p:txBody>
+          <a:bodyPr rtlCol="0" anchor="ctr"/>
+          <a:lstStyle/>
+          <a:p>
+            <a:pPr algn="ctr"/>
+            <a:r>
+              <a:rPr lang="fr-FR" sz="900" dirty="0"/>
+              <a:t>V_OUT_REF</a:t>
+            </a:r>
+          </a:p>
+        </p:txBody>
+      </p:sp>
+      <p:sp>
+        <p:nvSpPr>
+          <p:cNvPr id="45" name="Rectangle : coins arrondis 44">
+            <a:extLst>
+              <a:ext uri="{FF2B5EF4-FFF2-40B4-BE49-F238E27FC236}">
+                <a16:creationId xmlns:a16="http://schemas.microsoft.com/office/drawing/2014/main" id="{BBF79708-01B5-7CED-1DD8-92A75689627E}"/>
+              </a:ext>
+            </a:extLst>
+          </p:cNvPr>
+          <p:cNvSpPr/>
+          <p:nvPr/>
+        </p:nvSpPr>
+        <p:spPr>
+          <a:xfrm>
+            <a:off x="262934" y="5892290"/>
+            <a:ext cx="1579160" cy="210983"/>
+          </a:xfrm>
+          <a:prstGeom prst="roundRect">
+            <a:avLst/>
+          </a:prstGeom>
+        </p:spPr>
+        <p:style>
+          <a:lnRef idx="2">
+            <a:schemeClr val="accent1">
+              <a:shade val="50000"/>
+            </a:schemeClr>
+          </a:lnRef>
+          <a:fillRef idx="1">
+            <a:schemeClr val="accent1"/>
+          </a:fillRef>
+          <a:effectRef idx="0">
+            <a:schemeClr val="accent1"/>
+          </a:effectRef>
+          <a:fontRef idx="minor">
+            <a:schemeClr val="lt1"/>
+          </a:fontRef>
+        </p:style>
+        <p:txBody>
+          <a:bodyPr rtlCol="0" anchor="ctr"/>
+          <a:lstStyle/>
+          <a:p>
+            <a:pPr algn="ctr"/>
+            <a:r>
+              <a:rPr lang="fr-FR" sz="1000" dirty="0"/>
+              <a:t>Digital Output</a:t>
+            </a:r>
+          </a:p>
+        </p:txBody>
+      </p:sp>
+      <p:sp>
+        <p:nvSpPr>
+          <p:cNvPr id="46" name="Rectangle : coins arrondis 45">
+            <a:extLst>
+              <a:ext uri="{FF2B5EF4-FFF2-40B4-BE49-F238E27FC236}">
+                <a16:creationId xmlns:a16="http://schemas.microsoft.com/office/drawing/2014/main" id="{B3AE2A4C-60D1-AE86-21F0-8619E6A47AF7}"/>
+              </a:ext>
+            </a:extLst>
+          </p:cNvPr>
+          <p:cNvSpPr/>
+          <p:nvPr/>
+        </p:nvSpPr>
+        <p:spPr>
+          <a:xfrm>
+            <a:off x="262934" y="6159992"/>
+            <a:ext cx="1579160" cy="210983"/>
+          </a:xfrm>
+          <a:prstGeom prst="roundRect">
+            <a:avLst/>
+          </a:prstGeom>
+          <a:solidFill>
+            <a:schemeClr val="accent2"/>
+          </a:solidFill>
+        </p:spPr>
+        <p:style>
+          <a:lnRef idx="2">
+            <a:schemeClr val="accent1">
+              <a:shade val="50000"/>
+            </a:schemeClr>
+          </a:lnRef>
+          <a:fillRef idx="1">
+            <a:schemeClr val="accent1"/>
+          </a:fillRef>
+          <a:effectRef idx="0">
+            <a:schemeClr val="accent1"/>
+          </a:effectRef>
+          <a:fontRef idx="minor">
+            <a:schemeClr val="lt1"/>
+          </a:fontRef>
+        </p:style>
+        <p:txBody>
+          <a:bodyPr rtlCol="0" anchor="ctr"/>
+          <a:lstStyle/>
+          <a:p>
+            <a:pPr algn="ctr"/>
+            <a:r>
+              <a:rPr lang="fr-FR" sz="1000" dirty="0"/>
+              <a:t>Digital Input</a:t>
+            </a:r>
+          </a:p>
+        </p:txBody>
+      </p:sp>
+      <p:sp>
+        <p:nvSpPr>
+          <p:cNvPr id="47" name="Rectangle : coins arrondis 46">
+            <a:extLst>
+              <a:ext uri="{FF2B5EF4-FFF2-40B4-BE49-F238E27FC236}">
+                <a16:creationId xmlns:a16="http://schemas.microsoft.com/office/drawing/2014/main" id="{91C98512-1ACF-9568-3AAB-D6C2AE032C0F}"/>
+              </a:ext>
+            </a:extLst>
+          </p:cNvPr>
+          <p:cNvSpPr/>
+          <p:nvPr/>
+        </p:nvSpPr>
+        <p:spPr>
+          <a:xfrm>
+            <a:off x="262934" y="6419748"/>
+            <a:ext cx="1579160" cy="210983"/>
+          </a:xfrm>
+          <a:prstGeom prst="roundRect">
+            <a:avLst/>
+          </a:prstGeom>
+          <a:solidFill>
+            <a:schemeClr val="accent6"/>
+          </a:solidFill>
+        </p:spPr>
+        <p:style>
+          <a:lnRef idx="2">
+            <a:schemeClr val="accent1">
+              <a:shade val="50000"/>
+            </a:schemeClr>
+          </a:lnRef>
+          <a:fillRef idx="1">
+            <a:schemeClr val="accent1"/>
+          </a:fillRef>
+          <a:effectRef idx="0">
+            <a:schemeClr val="accent1"/>
+          </a:effectRef>
+          <a:fontRef idx="minor">
+            <a:schemeClr val="lt1"/>
+          </a:fontRef>
+        </p:style>
+        <p:txBody>
+          <a:bodyPr rtlCol="0" anchor="ctr"/>
+          <a:lstStyle/>
+          <a:p>
+            <a:pPr algn="ctr"/>
+            <a:r>
+              <a:rPr lang="fr-FR" sz="1000" dirty="0" err="1"/>
+              <a:t>Analog</a:t>
+            </a:r>
+            <a:r>
+              <a:rPr lang="fr-FR" sz="1000" dirty="0"/>
+              <a:t> Input</a:t>
+            </a:r>
+          </a:p>
+        </p:txBody>
+      </p:sp>
+      <p:sp>
+        <p:nvSpPr>
+          <p:cNvPr id="48" name="Rectangle : coins arrondis 47">
+            <a:extLst>
+              <a:ext uri="{FF2B5EF4-FFF2-40B4-BE49-F238E27FC236}">
+                <a16:creationId xmlns:a16="http://schemas.microsoft.com/office/drawing/2014/main" id="{11F3021F-571A-D78C-6F1F-3C37ED3C0E55}"/>
+              </a:ext>
+            </a:extLst>
+          </p:cNvPr>
+          <p:cNvSpPr/>
+          <p:nvPr/>
+        </p:nvSpPr>
+        <p:spPr>
+          <a:xfrm>
+            <a:off x="267119" y="5619286"/>
+            <a:ext cx="1579160" cy="210983"/>
+          </a:xfrm>
+          <a:prstGeom prst="roundRect">
+            <a:avLst/>
+          </a:prstGeom>
+          <a:solidFill>
+            <a:schemeClr val="bg2">
+              <a:lumMod val="75000"/>
+            </a:schemeClr>
+          </a:solidFill>
+        </p:spPr>
+        <p:style>
+          <a:lnRef idx="2">
+            <a:schemeClr val="accent1">
+              <a:shade val="50000"/>
+            </a:schemeClr>
+          </a:lnRef>
+          <a:fillRef idx="1">
+            <a:schemeClr val="accent1"/>
+          </a:fillRef>
+          <a:effectRef idx="0">
+            <a:schemeClr val="accent1"/>
+          </a:effectRef>
+          <a:fontRef idx="minor">
+            <a:schemeClr val="lt1"/>
+          </a:fontRef>
+        </p:style>
+        <p:txBody>
+          <a:bodyPr rtlCol="0" anchor="ctr"/>
+          <a:lstStyle/>
+          <a:p>
+            <a:pPr algn="ctr"/>
+            <a:r>
+              <a:rPr lang="fr-FR" sz="1000" dirty="0"/>
+              <a:t>Not </a:t>
+            </a:r>
+            <a:r>
+              <a:rPr lang="fr-FR" sz="1000" dirty="0" err="1"/>
+              <a:t>Used</a:t>
+            </a:r>
+            <a:endParaRPr lang="fr-FR" sz="1000" dirty="0"/>
+          </a:p>
+        </p:txBody>
+      </p:sp>
+      <p:sp>
+        <p:nvSpPr>
+          <p:cNvPr id="51" name="Rectangle : coins arrondis 50">
+            <a:extLst>
+              <a:ext uri="{FF2B5EF4-FFF2-40B4-BE49-F238E27FC236}">
+                <a16:creationId xmlns:a16="http://schemas.microsoft.com/office/drawing/2014/main" id="{B98AAD57-C103-3950-9450-00395BF1CEF6}"/>
+              </a:ext>
+            </a:extLst>
+          </p:cNvPr>
+          <p:cNvSpPr/>
+          <p:nvPr/>
+        </p:nvSpPr>
+        <p:spPr>
+          <a:xfrm>
+            <a:off x="1892961" y="6419748"/>
+            <a:ext cx="1579160" cy="210983"/>
+          </a:xfrm>
+          <a:prstGeom prst="roundRect">
+            <a:avLst/>
+          </a:prstGeom>
+          <a:solidFill>
+            <a:schemeClr val="accent4">
+              <a:lumMod val="50000"/>
+            </a:schemeClr>
+          </a:solidFill>
+        </p:spPr>
+        <p:style>
+          <a:lnRef idx="2">
+            <a:schemeClr val="accent1">
+              <a:shade val="50000"/>
+            </a:schemeClr>
+          </a:lnRef>
+          <a:fillRef idx="1">
+            <a:schemeClr val="accent1"/>
+          </a:fillRef>
+          <a:effectRef idx="0">
+            <a:schemeClr val="accent1"/>
+          </a:effectRef>
+          <a:fontRef idx="minor">
+            <a:schemeClr val="lt1"/>
+          </a:fontRef>
+        </p:style>
+        <p:txBody>
+          <a:bodyPr rtlCol="0" anchor="ctr"/>
+          <a:lstStyle/>
+          <a:p>
+            <a:pPr algn="ctr"/>
+            <a:r>
+              <a:rPr lang="fr-FR" sz="1000" dirty="0" err="1"/>
+              <a:t>Analog</a:t>
+            </a:r>
+            <a:r>
+              <a:rPr lang="fr-FR" sz="1000" dirty="0"/>
+              <a:t> Output</a:t>
+            </a:r>
+          </a:p>
+        </p:txBody>
+      </p:sp>
+    </p:spTree>
+    <p:extLst>
+      <p:ext uri="{BB962C8B-B14F-4D97-AF65-F5344CB8AC3E}">
+        <p14:creationId xmlns:p14="http://schemas.microsoft.com/office/powerpoint/2010/main" val="1724396327"/>
+      </p:ext>
+    </p:extLst>
+  </p:cSld>
+  <p:clrMapOvr>
+    <a:masterClrMapping/>
+  </p:clrMapOvr>
+</p:sld>
+</file>
+
+<file path=ppt/slides/slide4.xml><?xml version="1.0" encoding="utf-8"?>
+<p:sld xmlns:a="http://schemas.openxmlformats.org/drawingml/2006/main" xmlns:r="http://schemas.openxmlformats.org/officeDocument/2006/relationships" xmlns:p="http://schemas.openxmlformats.org/presentationml/2006/main">
+  <p:cSld>
+    <p:spTree>
+      <p:nvGrpSpPr>
+        <p:cNvPr id="1" name=""/>
+        <p:cNvGrpSpPr/>
+        <p:nvPr/>
+      </p:nvGrpSpPr>
+      <p:grpSpPr>
+        <a:xfrm>
+          <a:off x="0" y="0"/>
+          <a:ext cx="0" cy="0"/>
+          <a:chOff x="0" y="0"/>
+          <a:chExt cx="0" cy="0"/>
+        </a:xfrm>
+      </p:grpSpPr>
+      <p:sp>
+        <p:nvSpPr>
+          <p:cNvPr id="26" name="Rectangle : coins arrondis 25">
+            <a:extLst>
+              <a:ext uri="{FF2B5EF4-FFF2-40B4-BE49-F238E27FC236}">
+                <a16:creationId xmlns:a16="http://schemas.microsoft.com/office/drawing/2014/main" id="{E05F433C-88A9-4BC2-A37E-A423DEAF4E69}"/>
+              </a:ext>
+            </a:extLst>
+          </p:cNvPr>
+          <p:cNvSpPr/>
+          <p:nvPr/>
+        </p:nvSpPr>
+        <p:spPr>
+          <a:xfrm>
+            <a:off x="428625" y="1603459"/>
+            <a:ext cx="922585" cy="3825966"/>
+          </a:xfrm>
+          <a:prstGeom prst="roundRect">
+            <a:avLst/>
+          </a:prstGeom>
+          <a:solidFill>
+            <a:schemeClr val="bg2"/>
+          </a:solidFill>
+        </p:spPr>
+        <p:style>
+          <a:lnRef idx="2">
+            <a:schemeClr val="accent1">
+              <a:shade val="50000"/>
+            </a:schemeClr>
+          </a:lnRef>
+          <a:fillRef idx="1">
+            <a:schemeClr val="accent1"/>
+          </a:fillRef>
+          <a:effectRef idx="0">
+            <a:schemeClr val="accent1"/>
+          </a:effectRef>
+          <a:fontRef idx="minor">
+            <a:schemeClr val="lt1"/>
+          </a:fontRef>
+        </p:style>
+        <p:txBody>
+          <a:bodyPr vert="vert270" rtlCol="0" anchor="ctr"/>
+          <a:lstStyle/>
+          <a:p>
+            <a:pPr algn="ctr"/>
+            <a:r>
+              <a:rPr lang="fr-FR" sz="2400" dirty="0" err="1">
+                <a:solidFill>
+                  <a:schemeClr val="bg1">
+                    <a:lumMod val="50000"/>
+                  </a:schemeClr>
+                </a:solidFill>
+              </a:rPr>
+              <a:t>Nucleo</a:t>
+            </a:r>
+            <a:r>
+              <a:rPr lang="fr-FR" sz="2400" dirty="0">
+                <a:solidFill>
+                  <a:schemeClr val="bg1">
+                    <a:lumMod val="50000"/>
+                  </a:schemeClr>
+                </a:solidFill>
+              </a:rPr>
+              <a:t> </a:t>
+            </a:r>
+            <a:r>
+              <a:rPr lang="fr-FR" sz="2400" dirty="0" err="1">
+                <a:solidFill>
+                  <a:schemeClr val="bg1">
+                    <a:lumMod val="50000"/>
+                  </a:schemeClr>
+                </a:solidFill>
+              </a:rPr>
+              <a:t>Board</a:t>
+            </a:r>
+            <a:endParaRPr lang="fr-FR" sz="2400" dirty="0">
+              <a:solidFill>
+                <a:schemeClr val="bg1">
+                  <a:lumMod val="50000"/>
+                </a:schemeClr>
+              </a:solidFill>
+            </a:endParaRPr>
+          </a:p>
+        </p:txBody>
+      </p:sp>
+      <p:sp>
+        <p:nvSpPr>
+          <p:cNvPr id="4" name="ZoneTexte 3">
+            <a:extLst>
+              <a:ext uri="{FF2B5EF4-FFF2-40B4-BE49-F238E27FC236}">
+                <a16:creationId xmlns:a16="http://schemas.microsoft.com/office/drawing/2014/main" id="{B99AC363-602C-462B-AB02-D3CE737EEB06}"/>
+              </a:ext>
+            </a:extLst>
+          </p:cNvPr>
+          <p:cNvSpPr txBox="1"/>
+          <p:nvPr/>
+        </p:nvSpPr>
+        <p:spPr>
+          <a:xfrm>
+            <a:off x="262934" y="173327"/>
+            <a:ext cx="3797963" cy="523220"/>
+          </a:xfrm>
+          <a:prstGeom prst="rect">
+            <a:avLst/>
+          </a:prstGeom>
+          <a:noFill/>
+        </p:spPr>
+        <p:txBody>
+          <a:bodyPr wrap="none" rtlCol="0">
+            <a:spAutoFit/>
+          </a:bodyPr>
+          <a:lstStyle/>
+          <a:p>
+            <a:r>
+              <a:rPr lang="fr-FR" sz="2800" b="1" dirty="0"/>
+              <a:t>nRF24 – RF transmission</a:t>
+            </a:r>
+          </a:p>
+        </p:txBody>
+      </p:sp>
+      <p:cxnSp>
+        <p:nvCxnSpPr>
+          <p:cNvPr id="21" name="Connecteur droit 20">
+            <a:extLst>
+              <a:ext uri="{FF2B5EF4-FFF2-40B4-BE49-F238E27FC236}">
+                <a16:creationId xmlns:a16="http://schemas.microsoft.com/office/drawing/2014/main" id="{819D541D-B546-4141-B179-5C156243B3BC}"/>
+              </a:ext>
+            </a:extLst>
+          </p:cNvPr>
+          <p:cNvCxnSpPr/>
+          <p:nvPr/>
+        </p:nvCxnSpPr>
+        <p:spPr>
+          <a:xfrm>
+            <a:off x="355107" y="1363758"/>
+            <a:ext cx="11558726" cy="0"/>
+          </a:xfrm>
+          <a:prstGeom prst="line">
+            <a:avLst/>
+          </a:prstGeom>
+          <a:ln w="19050">
+            <a:solidFill>
+              <a:srgbClr val="002060"/>
+            </a:solidFill>
+          </a:ln>
+        </p:spPr>
+        <p:style>
+          <a:lnRef idx="1">
+            <a:schemeClr val="accent2"/>
+          </a:lnRef>
+          <a:fillRef idx="0">
+            <a:schemeClr val="accent2"/>
+          </a:fillRef>
+          <a:effectRef idx="0">
+            <a:schemeClr val="accent2"/>
+          </a:effectRef>
+          <a:fontRef idx="minor">
+            <a:schemeClr val="tx1"/>
+          </a:fontRef>
+        </p:style>
+      </p:cxnSp>
+      <p:sp>
+        <p:nvSpPr>
+          <p:cNvPr id="23" name="ZoneTexte 22">
+            <a:extLst>
+              <a:ext uri="{FF2B5EF4-FFF2-40B4-BE49-F238E27FC236}">
+                <a16:creationId xmlns:a16="http://schemas.microsoft.com/office/drawing/2014/main" id="{B1275299-DF0B-45A5-9802-401FA64072C2}"/>
+              </a:ext>
+            </a:extLst>
+          </p:cNvPr>
+          <p:cNvSpPr txBox="1"/>
+          <p:nvPr/>
+        </p:nvSpPr>
+        <p:spPr>
+          <a:xfrm>
+            <a:off x="262934" y="754727"/>
+            <a:ext cx="4142352" cy="369332"/>
           </a:xfrm>
           <a:prstGeom prst="rect">
             <a:avLst/>
@@ -10752,112 +12555,54 @@
                   <a:srgbClr val="002060"/>
                 </a:solidFill>
               </a:rPr>
-              <a:t>Programme Nucléo : https://os.mbed.com/teams/IOGS_France/code/IeTI_nRF24/</a:t>
-            </a:r>
-          </a:p>
-        </p:txBody>
-      </p:sp>
-      <p:sp>
-        <p:nvSpPr>
-          <p:cNvPr id="42" name="Rectangle : coins arrondis 41">
-            <a:extLst>
-              <a:ext uri="{FF2B5EF4-FFF2-40B4-BE49-F238E27FC236}">
-                <a16:creationId xmlns:a16="http://schemas.microsoft.com/office/drawing/2014/main" id="{134E98A0-C0B1-4598-9354-1E69A0310330}"/>
-              </a:ext>
-            </a:extLst>
-          </p:cNvPr>
-          <p:cNvSpPr/>
-          <p:nvPr/>
-        </p:nvSpPr>
-        <p:spPr>
-          <a:xfrm>
-            <a:off x="262934" y="5892290"/>
-            <a:ext cx="1579160" cy="210983"/>
-          </a:xfrm>
-          <a:prstGeom prst="roundRect">
-            <a:avLst/>
-          </a:prstGeom>
-        </p:spPr>
-        <p:style>
-          <a:lnRef idx="2">
-            <a:schemeClr val="accent1">
-              <a:shade val="50000"/>
-            </a:schemeClr>
-          </a:lnRef>
-          <a:fillRef idx="1">
-            <a:schemeClr val="accent1"/>
-          </a:fillRef>
-          <a:effectRef idx="0">
-            <a:schemeClr val="accent1"/>
-          </a:effectRef>
-          <a:fontRef idx="minor">
-            <a:schemeClr val="lt1"/>
-          </a:fontRef>
-        </p:style>
-        <p:txBody>
-          <a:bodyPr rtlCol="0" anchor="ctr"/>
-          <a:lstStyle/>
-          <a:p>
-            <a:pPr algn="ctr"/>
-            <a:r>
-              <a:rPr lang="fr-FR" sz="1000" dirty="0"/>
-              <a:t>Sortie Numérique</a:t>
-            </a:r>
-          </a:p>
-        </p:txBody>
-      </p:sp>
-      <p:sp>
-        <p:nvSpPr>
-          <p:cNvPr id="43" name="Rectangle : coins arrondis 42">
-            <a:extLst>
-              <a:ext uri="{FF2B5EF4-FFF2-40B4-BE49-F238E27FC236}">
-                <a16:creationId xmlns:a16="http://schemas.microsoft.com/office/drawing/2014/main" id="{5824E6DD-5797-4AAB-8A2D-F5A1D6988BBE}"/>
-              </a:ext>
-            </a:extLst>
-          </p:cNvPr>
-          <p:cNvSpPr/>
-          <p:nvPr/>
-        </p:nvSpPr>
-        <p:spPr>
-          <a:xfrm>
-            <a:off x="262934" y="6159992"/>
-            <a:ext cx="1579160" cy="210983"/>
-          </a:xfrm>
-          <a:prstGeom prst="roundRect">
-            <a:avLst/>
-          </a:prstGeom>
-          <a:solidFill>
+              <a:t>nrF24L01 module for RF data transmission</a:t>
+            </a:r>
+          </a:p>
+        </p:txBody>
+      </p:sp>
+      <p:cxnSp>
+        <p:nvCxnSpPr>
+          <p:cNvPr id="31" name="Connecteur droit 30">
+            <a:extLst>
+              <a:ext uri="{FF2B5EF4-FFF2-40B4-BE49-F238E27FC236}">
+                <a16:creationId xmlns:a16="http://schemas.microsoft.com/office/drawing/2014/main" id="{403E5D90-3502-4F6C-AD7A-7A4E01D26DE6}"/>
+              </a:ext>
+            </a:extLst>
+          </p:cNvPr>
+          <p:cNvCxnSpPr>
+            <a:cxnSpLocks/>
+          </p:cNvCxnSpPr>
+          <p:nvPr/>
+        </p:nvCxnSpPr>
+        <p:spPr>
+          <a:xfrm>
+            <a:off x="355107" y="754727"/>
+            <a:ext cx="7421732" cy="0"/>
+          </a:xfrm>
+          <a:prstGeom prst="line">
+            <a:avLst/>
+          </a:prstGeom>
+          <a:ln w="19050">
+            <a:solidFill>
+              <a:srgbClr val="002060"/>
+            </a:solidFill>
+          </a:ln>
+        </p:spPr>
+        <p:style>
+          <a:lnRef idx="1">
             <a:schemeClr val="accent2"/>
-          </a:solidFill>
-        </p:spPr>
-        <p:style>
-          <a:lnRef idx="2">
-            <a:schemeClr val="accent1">
-              <a:shade val="50000"/>
-            </a:schemeClr>
-          </a:lnRef>
-          <a:fillRef idx="1">
-            <a:schemeClr val="accent1"/>
-          </a:fillRef>
-          <a:effectRef idx="0">
-            <a:schemeClr val="accent1"/>
-          </a:effectRef>
-          <a:fontRef idx="minor">
-            <a:schemeClr val="lt1"/>
-          </a:fontRef>
-        </p:style>
-        <p:txBody>
-          <a:bodyPr rtlCol="0" anchor="ctr"/>
-          <a:lstStyle/>
-          <a:p>
-            <a:pPr algn="ctr"/>
-            <a:r>
-              <a:rPr lang="fr-FR" sz="1000" dirty="0"/>
-              <a:t>Entrée Numérique</a:t>
-            </a:r>
-          </a:p>
-        </p:txBody>
-      </p:sp>
+          </a:lnRef>
+          <a:fillRef idx="0">
+            <a:schemeClr val="accent2"/>
+          </a:fillRef>
+          <a:effectRef idx="0">
+            <a:schemeClr val="accent2"/>
+          </a:effectRef>
+          <a:fontRef idx="minor">
+            <a:schemeClr val="tx1"/>
+          </a:fontRef>
+        </p:style>
+      </p:cxnSp>
       <p:sp>
         <p:nvSpPr>
           <p:cNvPr id="44" name="Rectangle : coins arrondis 43">
@@ -10903,58 +12648,6 @@
             <a:r>
               <a:rPr lang="fr-FR" sz="900" dirty="0"/>
               <a:t>PA_5/ SCK</a:t>
-            </a:r>
-          </a:p>
-        </p:txBody>
-      </p:sp>
-      <p:sp>
-        <p:nvSpPr>
-          <p:cNvPr id="50" name="Rectangle : coins arrondis 49">
-            <a:extLst>
-              <a:ext uri="{FF2B5EF4-FFF2-40B4-BE49-F238E27FC236}">
-                <a16:creationId xmlns:a16="http://schemas.microsoft.com/office/drawing/2014/main" id="{DCA9E179-FAD4-47C8-BACD-7AA435C4043D}"/>
-              </a:ext>
-            </a:extLst>
-          </p:cNvPr>
-          <p:cNvSpPr/>
-          <p:nvPr/>
-        </p:nvSpPr>
-        <p:spPr>
-          <a:xfrm>
-            <a:off x="262934" y="6419748"/>
-            <a:ext cx="1579160" cy="210983"/>
-          </a:xfrm>
-          <a:prstGeom prst="roundRect">
-            <a:avLst/>
-          </a:prstGeom>
-          <a:solidFill>
-            <a:schemeClr val="accent6"/>
-          </a:solidFill>
-        </p:spPr>
-        <p:style>
-          <a:lnRef idx="2">
-            <a:schemeClr val="accent1">
-              <a:shade val="50000"/>
-            </a:schemeClr>
-          </a:lnRef>
-          <a:fillRef idx="1">
-            <a:schemeClr val="accent1"/>
-          </a:fillRef>
-          <a:effectRef idx="0">
-            <a:schemeClr val="accent1"/>
-          </a:effectRef>
-          <a:fontRef idx="minor">
-            <a:schemeClr val="lt1"/>
-          </a:fontRef>
-        </p:style>
-        <p:txBody>
-          <a:bodyPr rtlCol="0" anchor="ctr"/>
-          <a:lstStyle/>
-          <a:p>
-            <a:pPr algn="ctr"/>
-            <a:r>
-              <a:rPr lang="fr-FR" sz="1000" dirty="0"/>
-              <a:t>Entrée Analogique</a:t>
             </a:r>
           </a:p>
         </p:txBody>
@@ -11778,6 +13471,323 @@
           </a:prstGeom>
         </p:spPr>
       </p:pic>
+      <p:sp>
+        <p:nvSpPr>
+          <p:cNvPr id="6" name="ZoneTexte 5">
+            <a:extLst>
+              <a:ext uri="{FF2B5EF4-FFF2-40B4-BE49-F238E27FC236}">
+                <a16:creationId xmlns:a16="http://schemas.microsoft.com/office/drawing/2014/main" id="{3F54E96D-E186-505A-8CC9-01D01AAF4B50}"/>
+              </a:ext>
+            </a:extLst>
+          </p:cNvPr>
+          <p:cNvSpPr txBox="1"/>
+          <p:nvPr/>
+        </p:nvSpPr>
+        <p:spPr>
+          <a:xfrm>
+            <a:off x="1351210" y="1058909"/>
+            <a:ext cx="8717066" cy="338554"/>
+          </a:xfrm>
+          <a:prstGeom prst="rect">
+            <a:avLst/>
+          </a:prstGeom>
+          <a:noFill/>
+        </p:spPr>
+        <p:txBody>
+          <a:bodyPr wrap="none" rtlCol="0">
+            <a:spAutoFit/>
+          </a:bodyPr>
+          <a:lstStyle/>
+          <a:p>
+            <a:r>
+              <a:rPr lang="fr-FR" sz="1600" dirty="0">
+                <a:solidFill>
+                  <a:srgbClr val="002060"/>
+                </a:solidFill>
+              </a:rPr>
+              <a:t>MBED6 Library : </a:t>
+            </a:r>
+            <a:r>
+              <a:rPr lang="fr-FR" sz="1600" dirty="0"/>
+              <a:t>https://github.com/IOGS-LEnsE-embedded/MBED6_SupOpLibraries/tree/main/nRF24</a:t>
+            </a:r>
+          </a:p>
+        </p:txBody>
+      </p:sp>
+      <p:sp>
+        <p:nvSpPr>
+          <p:cNvPr id="7" name="Rectangle : coins arrondis 6">
+            <a:extLst>
+              <a:ext uri="{FF2B5EF4-FFF2-40B4-BE49-F238E27FC236}">
+                <a16:creationId xmlns:a16="http://schemas.microsoft.com/office/drawing/2014/main" id="{5AEBE8C6-94B4-D6B8-4289-6C2A1E47654A}"/>
+              </a:ext>
+            </a:extLst>
+          </p:cNvPr>
+          <p:cNvSpPr/>
+          <p:nvPr/>
+        </p:nvSpPr>
+        <p:spPr>
+          <a:xfrm>
+            <a:off x="262934" y="5892290"/>
+            <a:ext cx="1579160" cy="210983"/>
+          </a:xfrm>
+          <a:prstGeom prst="roundRect">
+            <a:avLst/>
+          </a:prstGeom>
+        </p:spPr>
+        <p:style>
+          <a:lnRef idx="2">
+            <a:schemeClr val="accent1">
+              <a:shade val="50000"/>
+            </a:schemeClr>
+          </a:lnRef>
+          <a:fillRef idx="1">
+            <a:schemeClr val="accent1"/>
+          </a:fillRef>
+          <a:effectRef idx="0">
+            <a:schemeClr val="accent1"/>
+          </a:effectRef>
+          <a:fontRef idx="minor">
+            <a:schemeClr val="lt1"/>
+          </a:fontRef>
+        </p:style>
+        <p:txBody>
+          <a:bodyPr rtlCol="0" anchor="ctr"/>
+          <a:lstStyle/>
+          <a:p>
+            <a:pPr algn="ctr"/>
+            <a:r>
+              <a:rPr lang="fr-FR" sz="1000" dirty="0"/>
+              <a:t>Digital Output</a:t>
+            </a:r>
+          </a:p>
+        </p:txBody>
+      </p:sp>
+      <p:sp>
+        <p:nvSpPr>
+          <p:cNvPr id="8" name="Rectangle : coins arrondis 7">
+            <a:extLst>
+              <a:ext uri="{FF2B5EF4-FFF2-40B4-BE49-F238E27FC236}">
+                <a16:creationId xmlns:a16="http://schemas.microsoft.com/office/drawing/2014/main" id="{8C04218E-5FC3-6624-5596-51B10AD0F942}"/>
+              </a:ext>
+            </a:extLst>
+          </p:cNvPr>
+          <p:cNvSpPr/>
+          <p:nvPr/>
+        </p:nvSpPr>
+        <p:spPr>
+          <a:xfrm>
+            <a:off x="262934" y="6159992"/>
+            <a:ext cx="1579160" cy="210983"/>
+          </a:xfrm>
+          <a:prstGeom prst="roundRect">
+            <a:avLst/>
+          </a:prstGeom>
+          <a:solidFill>
+            <a:schemeClr val="accent2"/>
+          </a:solidFill>
+        </p:spPr>
+        <p:style>
+          <a:lnRef idx="2">
+            <a:schemeClr val="accent1">
+              <a:shade val="50000"/>
+            </a:schemeClr>
+          </a:lnRef>
+          <a:fillRef idx="1">
+            <a:schemeClr val="accent1"/>
+          </a:fillRef>
+          <a:effectRef idx="0">
+            <a:schemeClr val="accent1"/>
+          </a:effectRef>
+          <a:fontRef idx="minor">
+            <a:schemeClr val="lt1"/>
+          </a:fontRef>
+        </p:style>
+        <p:txBody>
+          <a:bodyPr rtlCol="0" anchor="ctr"/>
+          <a:lstStyle/>
+          <a:p>
+            <a:pPr algn="ctr"/>
+            <a:r>
+              <a:rPr lang="fr-FR" sz="1000" dirty="0"/>
+              <a:t>Digital Input</a:t>
+            </a:r>
+          </a:p>
+        </p:txBody>
+      </p:sp>
+      <p:sp>
+        <p:nvSpPr>
+          <p:cNvPr id="9" name="Rectangle : coins arrondis 8">
+            <a:extLst>
+              <a:ext uri="{FF2B5EF4-FFF2-40B4-BE49-F238E27FC236}">
+                <a16:creationId xmlns:a16="http://schemas.microsoft.com/office/drawing/2014/main" id="{452E7DDE-9AA4-471C-599A-4045A0536026}"/>
+              </a:ext>
+            </a:extLst>
+          </p:cNvPr>
+          <p:cNvSpPr/>
+          <p:nvPr/>
+        </p:nvSpPr>
+        <p:spPr>
+          <a:xfrm>
+            <a:off x="262934" y="6419748"/>
+            <a:ext cx="1579160" cy="210983"/>
+          </a:xfrm>
+          <a:prstGeom prst="roundRect">
+            <a:avLst/>
+          </a:prstGeom>
+          <a:solidFill>
+            <a:schemeClr val="accent6"/>
+          </a:solidFill>
+        </p:spPr>
+        <p:style>
+          <a:lnRef idx="2">
+            <a:schemeClr val="accent1">
+              <a:shade val="50000"/>
+            </a:schemeClr>
+          </a:lnRef>
+          <a:fillRef idx="1">
+            <a:schemeClr val="accent1"/>
+          </a:fillRef>
+          <a:effectRef idx="0">
+            <a:schemeClr val="accent1"/>
+          </a:effectRef>
+          <a:fontRef idx="minor">
+            <a:schemeClr val="lt1"/>
+          </a:fontRef>
+        </p:style>
+        <p:txBody>
+          <a:bodyPr rtlCol="0" anchor="ctr"/>
+          <a:lstStyle/>
+          <a:p>
+            <a:pPr algn="ctr"/>
+            <a:r>
+              <a:rPr lang="fr-FR" sz="1000" dirty="0" err="1"/>
+              <a:t>Analog</a:t>
+            </a:r>
+            <a:r>
+              <a:rPr lang="fr-FR" sz="1000" dirty="0"/>
+              <a:t> Input</a:t>
+            </a:r>
+          </a:p>
+        </p:txBody>
+      </p:sp>
+      <p:sp>
+        <p:nvSpPr>
+          <p:cNvPr id="10" name="Rectangle : coins arrondis 9">
+            <a:extLst>
+              <a:ext uri="{FF2B5EF4-FFF2-40B4-BE49-F238E27FC236}">
+                <a16:creationId xmlns:a16="http://schemas.microsoft.com/office/drawing/2014/main" id="{95F9FD97-5220-6EC8-420D-CDC42535A78F}"/>
+              </a:ext>
+            </a:extLst>
+          </p:cNvPr>
+          <p:cNvSpPr/>
+          <p:nvPr/>
+        </p:nvSpPr>
+        <p:spPr>
+          <a:xfrm>
+            <a:off x="267119" y="5619286"/>
+            <a:ext cx="1579160" cy="210983"/>
+          </a:xfrm>
+          <a:prstGeom prst="roundRect">
+            <a:avLst/>
+          </a:prstGeom>
+          <a:solidFill>
+            <a:schemeClr val="bg2">
+              <a:lumMod val="75000"/>
+            </a:schemeClr>
+          </a:solidFill>
+        </p:spPr>
+        <p:style>
+          <a:lnRef idx="2">
+            <a:schemeClr val="accent1">
+              <a:shade val="50000"/>
+            </a:schemeClr>
+          </a:lnRef>
+          <a:fillRef idx="1">
+            <a:schemeClr val="accent1"/>
+          </a:fillRef>
+          <a:effectRef idx="0">
+            <a:schemeClr val="accent1"/>
+          </a:effectRef>
+          <a:fontRef idx="minor">
+            <a:schemeClr val="lt1"/>
+          </a:fontRef>
+        </p:style>
+        <p:txBody>
+          <a:bodyPr rtlCol="0" anchor="ctr"/>
+          <a:lstStyle/>
+          <a:p>
+            <a:pPr algn="ctr"/>
+            <a:r>
+              <a:rPr lang="fr-FR" sz="1000" dirty="0"/>
+              <a:t>Not </a:t>
+            </a:r>
+            <a:r>
+              <a:rPr lang="fr-FR" sz="1000" dirty="0" err="1"/>
+              <a:t>Used</a:t>
+            </a:r>
+            <a:endParaRPr lang="fr-FR" sz="1000" dirty="0"/>
+          </a:p>
+        </p:txBody>
+      </p:sp>
+      <p:sp>
+        <p:nvSpPr>
+          <p:cNvPr id="11" name="Rectangle : coins arrondis 10">
+            <a:extLst>
+              <a:ext uri="{FF2B5EF4-FFF2-40B4-BE49-F238E27FC236}">
+                <a16:creationId xmlns:a16="http://schemas.microsoft.com/office/drawing/2014/main" id="{EBD98260-E45A-98E7-1BA5-E27226C645E6}"/>
+              </a:ext>
+            </a:extLst>
+          </p:cNvPr>
+          <p:cNvSpPr/>
+          <p:nvPr/>
+        </p:nvSpPr>
+        <p:spPr>
+          <a:xfrm>
+            <a:off x="1892961" y="6419748"/>
+            <a:ext cx="1579160" cy="210983"/>
+          </a:xfrm>
+          <a:prstGeom prst="roundRect">
+            <a:avLst/>
+          </a:prstGeom>
+          <a:solidFill>
+            <a:schemeClr val="accent4">
+              <a:lumMod val="50000"/>
+            </a:schemeClr>
+          </a:solidFill>
+        </p:spPr>
+        <p:style>
+          <a:lnRef idx="2">
+            <a:schemeClr val="accent1">
+              <a:shade val="50000"/>
+            </a:schemeClr>
+          </a:lnRef>
+          <a:fillRef idx="1">
+            <a:schemeClr val="accent1"/>
+          </a:fillRef>
+          <a:effectRef idx="0">
+            <a:schemeClr val="accent1"/>
+          </a:effectRef>
+          <a:fontRef idx="minor">
+            <a:schemeClr val="lt1"/>
+          </a:fontRef>
+        </p:style>
+        <p:txBody>
+          <a:bodyPr rtlCol="0" anchor="ctr"/>
+          <a:lstStyle/>
+          <a:p>
+            <a:pPr algn="ctr"/>
+            <a:r>
+              <a:rPr lang="fr-FR" sz="1000" dirty="0" err="1"/>
+              <a:t>Analog</a:t>
+            </a:r>
+            <a:r>
+              <a:rPr lang="fr-FR" sz="1000" dirty="0"/>
+              <a:t> Output</a:t>
+            </a:r>
+          </a:p>
+        </p:txBody>
+      </p:sp>
     </p:spTree>
     <p:extLst>
       <p:ext uri="{BB962C8B-B14F-4D97-AF65-F5344CB8AC3E}">
